--- a/spring12/slidesS12/scheduling.pptx
+++ b/spring12/slidesS12/scheduling.pptx
@@ -5,10 +5,10 @@
     <p:sldMasterId id="2147483648" r:id="rId1"/>
   </p:sldMasterIdLst>
   <p:notesMasterIdLst>
-    <p:notesMasterId r:id="rId41"/>
+    <p:notesMasterId r:id="rId40"/>
   </p:notesMasterIdLst>
   <p:handoutMasterIdLst>
-    <p:handoutMasterId r:id="rId42"/>
+    <p:handoutMasterId r:id="rId41"/>
   </p:handoutMasterIdLst>
   <p:sldIdLst>
     <p:sldId id="257" r:id="rId2"/>
@@ -49,10 +49,9 @@
     <p:sldId id="371" r:id="rId37"/>
     <p:sldId id="396" r:id="rId38"/>
     <p:sldId id="373" r:id="rId39"/>
-    <p:sldId id="369" r:id="rId40"/>
   </p:sldIdLst>
   <p:sldSz cx="9144000" cy="6858000" type="screen4x3"/>
-  <p:notesSz cx="7315200" cy="9601200"/>
+  <p:notesSz cx="9601200" cy="7315200"/>
   <p:defaultTextStyle>
     <a:defPPr>
       <a:defRPr lang="en-US"/>
@@ -186,7 +185,7 @@
         <p:spPr>
           <a:xfrm>
             <a:off x="0" y="0"/>
-            <a:ext cx="3169920" cy="480060"/>
+            <a:ext cx="4160520" cy="365760"/>
           </a:xfrm>
           <a:prstGeom prst="rect">
             <a:avLst/>
@@ -216,8 +215,8 @@
         </p:nvSpPr>
         <p:spPr>
           <a:xfrm>
-            <a:off x="4143587" y="0"/>
-            <a:ext cx="3169920" cy="480060"/>
+            <a:off x="5438458" y="0"/>
+            <a:ext cx="4160520" cy="365760"/>
           </a:xfrm>
           <a:prstGeom prst="rect">
             <a:avLst/>
@@ -234,7 +233,7 @@
             <a:fld id="{7E67CB53-8D3C-47BE-A7FA-F662C961B657}" type="datetimeFigureOut">
               <a:rPr lang="en-US" smtClean="0"/>
               <a:pPr/>
-              <a:t>10/19/11</a:t>
+              <a:t>3/12/12</a:t>
             </a:fld>
             <a:endParaRPr lang="en-US"/>
           </a:p>
@@ -252,8 +251,8 @@
         </p:nvSpPr>
         <p:spPr>
           <a:xfrm>
-            <a:off x="0" y="9119474"/>
-            <a:ext cx="3169920" cy="480060"/>
+            <a:off x="0" y="6948171"/>
+            <a:ext cx="4160520" cy="365760"/>
           </a:xfrm>
           <a:prstGeom prst="rect">
             <a:avLst/>
@@ -283,8 +282,8 @@
         </p:nvSpPr>
         <p:spPr>
           <a:xfrm>
-            <a:off x="4143587" y="9119474"/>
-            <a:ext cx="3169920" cy="480060"/>
+            <a:off x="5438458" y="6948171"/>
+            <a:ext cx="4160520" cy="365760"/>
           </a:xfrm>
           <a:prstGeom prst="rect">
             <a:avLst/>
@@ -353,7 +352,7 @@
         <p:spPr>
           <a:xfrm>
             <a:off x="0" y="0"/>
-            <a:ext cx="3169920" cy="480060"/>
+            <a:ext cx="4160520" cy="365760"/>
           </a:xfrm>
           <a:prstGeom prst="rect">
             <a:avLst/>
@@ -383,8 +382,8 @@
         </p:nvSpPr>
         <p:spPr>
           <a:xfrm>
-            <a:off x="4143587" y="0"/>
-            <a:ext cx="3169920" cy="480060"/>
+            <a:off x="5438458" y="0"/>
+            <a:ext cx="4160520" cy="365760"/>
           </a:xfrm>
           <a:prstGeom prst="rect">
             <a:avLst/>
@@ -401,7 +400,7 @@
             <a:fld id="{EFF6E4C5-D825-46D1-9B47-4B12017997CB}" type="datetimeFigureOut">
               <a:rPr lang="en-US" smtClean="0"/>
               <a:pPr/>
-              <a:t>10/19/11</a:t>
+              <a:t>3/12/12</a:t>
             </a:fld>
             <a:endParaRPr lang="en-US"/>
           </a:p>
@@ -419,8 +418,8 @@
         </p:nvSpPr>
         <p:spPr>
           <a:xfrm>
-            <a:off x="1257300" y="720725"/>
-            <a:ext cx="4800600" cy="3600450"/>
+            <a:off x="2971800" y="549275"/>
+            <a:ext cx="3657600" cy="2743200"/>
           </a:xfrm>
           <a:prstGeom prst="rect">
             <a:avLst/>
@@ -452,8 +451,8 @@
         </p:nvSpPr>
         <p:spPr>
           <a:xfrm>
-            <a:off x="731520" y="4560570"/>
-            <a:ext cx="5852160" cy="4320540"/>
+            <a:off x="960120" y="3474720"/>
+            <a:ext cx="7680960" cy="3291840"/>
           </a:xfrm>
           <a:prstGeom prst="rect">
             <a:avLst/>
@@ -514,8 +513,8 @@
         </p:nvSpPr>
         <p:spPr>
           <a:xfrm>
-            <a:off x="0" y="9119474"/>
-            <a:ext cx="3169920" cy="480060"/>
+            <a:off x="0" y="6948171"/>
+            <a:ext cx="4160520" cy="365760"/>
           </a:xfrm>
           <a:prstGeom prst="rect">
             <a:avLst/>
@@ -545,8 +544,8 @@
         </p:nvSpPr>
         <p:spPr>
           <a:xfrm>
-            <a:off x="4143587" y="9119474"/>
-            <a:ext cx="3169920" cy="480060"/>
+            <a:off x="5438458" y="6948171"/>
+            <a:ext cx="4160520" cy="365760"/>
           </a:xfrm>
           <a:prstGeom prst="rect">
             <a:avLst/>
@@ -3108,93 +3107,6 @@
 </p:notes>
 </file>
 
-<file path=ppt/notesSlides/notesSlide36.xml><?xml version="1.0" encoding="utf-8"?>
-<p:notes xmlns:a="http://schemas.openxmlformats.org/drawingml/2006/main" xmlns:r="http://schemas.openxmlformats.org/officeDocument/2006/relationships" xmlns:p="http://schemas.openxmlformats.org/presentationml/2006/main">
-  <p:cSld>
-    <p:spTree>
-      <p:nvGrpSpPr>
-        <p:cNvPr id="1" name=""/>
-        <p:cNvGrpSpPr/>
-        <p:nvPr/>
-      </p:nvGrpSpPr>
-      <p:grpSpPr>
-        <a:xfrm>
-          <a:off x="0" y="0"/>
-          <a:ext cx="0" cy="0"/>
-          <a:chOff x="0" y="0"/>
-          <a:chExt cx="0" cy="0"/>
-        </a:xfrm>
-      </p:grpSpPr>
-      <p:sp>
-        <p:nvSpPr>
-          <p:cNvPr id="72706" name="Rectangle 7"/>
-          <p:cNvSpPr>
-            <a:spLocks noGrp="1" noChangeArrowheads="1"/>
-          </p:cNvSpPr>
-          <p:nvPr>
-            <p:ph type="sldNum" sz="quarter" idx="5"/>
-          </p:nvPr>
-        </p:nvSpPr>
-        <p:spPr>
-          <a:noFill/>
-        </p:spPr>
-        <p:txBody>
-          <a:bodyPr/>
-          <a:lstStyle/>
-          <a:p>
-            <a:fld id="{6653F924-F418-411E-8C35-24F3766CE997}" type="slidenum">
-              <a:rPr lang="en-US" smtClean="0"/>
-              <a:pPr/>
-              <a:t>39</a:t>
-            </a:fld>
-            <a:endParaRPr lang="en-US" smtClean="0"/>
-          </a:p>
-        </p:txBody>
-      </p:sp>
-      <p:sp>
-        <p:nvSpPr>
-          <p:cNvPr id="72707" name="Rectangle 2"/>
-          <p:cNvSpPr>
-            <a:spLocks noGrp="1" noRot="1" noChangeAspect="1" noChangeArrowheads="1" noTextEdit="1"/>
-          </p:cNvSpPr>
-          <p:nvPr>
-            <p:ph type="sldImg"/>
-          </p:nvPr>
-        </p:nvSpPr>
-        <p:spPr>
-          <a:ln/>
-        </p:spPr>
-      </p:sp>
-      <p:sp>
-        <p:nvSpPr>
-          <p:cNvPr id="72708" name="Rectangle 3"/>
-          <p:cNvSpPr>
-            <a:spLocks noGrp="1" noChangeArrowheads="1"/>
-          </p:cNvSpPr>
-          <p:nvPr>
-            <p:ph type="body" idx="1"/>
-          </p:nvPr>
-        </p:nvSpPr>
-        <p:spPr>
-          <a:noFill/>
-          <a:ln/>
-        </p:spPr>
-        <p:txBody>
-          <a:bodyPr/>
-          <a:lstStyle/>
-          <a:p>
-            <a:endParaRPr lang="en-US" smtClean="0"/>
-          </a:p>
-        </p:txBody>
-      </p:sp>
-    </p:spTree>
-  </p:cSld>
-  <p:clrMapOvr>
-    <a:masterClrMapping/>
-  </p:clrMapOvr>
-</p:notes>
-</file>
-
 <file path=ppt/notesSlides/notesSlide4.xml><?xml version="1.0" encoding="utf-8"?>
 <p:notes xmlns:a="http://schemas.openxmlformats.org/drawingml/2006/main" xmlns:r="http://schemas.openxmlformats.org/officeDocument/2006/relationships" xmlns:p="http://schemas.openxmlformats.org/presentationml/2006/main">
   <p:cSld>
@@ -3901,7 +3813,7 @@
           <a:p>
             <a:r>
               <a:rPr lang="en-US" dirty="0" smtClean="0"/>
-              <a:t>7W.</a:t>
+              <a:t>6F.</a:t>
             </a:r>
             <a:fld id="{CA4C0C47-BA92-4669-BC5C-D64A96AF3D01}" type="slidenum">
               <a:rPr lang="en-US" smtClean="0"/>
@@ -4043,7 +3955,7 @@
           <a:p>
             <a:r>
               <a:rPr lang="en-US" dirty="0" smtClean="0"/>
-              <a:t>7W.</a:t>
+              <a:t>6F.</a:t>
             </a:r>
             <a:fld id="{CA4C0C47-BA92-4669-BC5C-D64A96AF3D01}" type="slidenum">
               <a:rPr lang="en-US" smtClean="0"/>
@@ -4268,7 +4180,7 @@
           <a:p>
             <a:r>
               <a:rPr lang="en-US" dirty="0" smtClean="0"/>
-              <a:t>7W.</a:t>
+              <a:t>6F.</a:t>
             </a:r>
             <a:fld id="{CA4C0C47-BA92-4669-BC5C-D64A96AF3D01}" type="slidenum">
               <a:rPr lang="en-US" smtClean="0"/>
@@ -4362,7 +4274,7 @@
           <a:p>
             <a:r>
               <a:rPr lang="en-US" dirty="0" smtClean="0"/>
-              <a:t>7W.</a:t>
+              <a:t>6F.</a:t>
             </a:r>
             <a:fld id="{CA4C0C47-BA92-4669-BC5C-D64A96AF3D01}" type="slidenum">
               <a:rPr lang="en-US" smtClean="0"/>
@@ -4429,7 +4341,7 @@
           <a:p>
             <a:r>
               <a:rPr lang="en-US" dirty="0" smtClean="0"/>
-              <a:t>7W.</a:t>
+              <a:t>6F.</a:t>
             </a:r>
             <a:fld id="{CA4C0C47-BA92-4669-BC5C-D64A96AF3D01}" type="slidenum">
               <a:rPr lang="en-US" smtClean="0"/>
@@ -4670,7 +4582,7 @@
           <a:p>
             <a:r>
               <a:rPr lang="en-US" dirty="0" smtClean="0"/>
-              <a:t>7W.</a:t>
+              <a:t>6F.</a:t>
             </a:r>
             <a:fld id="{CA4C0C47-BA92-4669-BC5C-D64A96AF3D01}" type="slidenum">
               <a:rPr lang="en-US" smtClean="0"/>
@@ -4895,7 +4807,7 @@
           <a:p>
             <a:r>
               <a:rPr lang="en-US" dirty="0" smtClean="0"/>
-              <a:t>7W.</a:t>
+              <a:t>6F.</a:t>
             </a:r>
             <a:fld id="{CA4C0C47-BA92-4669-BC5C-D64A96AF3D01}" type="slidenum">
               <a:rPr lang="en-US" smtClean="0"/>
@@ -5208,7 +5120,7 @@
                 <a:uFillTx/>
                 <a:latin typeface="Comic Sans MS" pitchFamily="66" charset="0"/>
               </a:rPr>
-              <a:t>Albert R Meyer           October 19. 2011</a:t>
+              <a:t>Albert R Meyer           March 16. 2012</a:t>
             </a:r>
             <a:endParaRPr kumimoji="0" lang="en-US" sz="1200" b="0" i="0" u="none" strike="noStrike" kern="1200" cap="none" spc="0" normalizeH="0" baseline="0" noProof="0" dirty="0">
               <a:ln>
@@ -5280,7 +5192,7 @@
           <a:p>
             <a:r>
               <a:rPr lang="en-US" dirty="0" smtClean="0"/>
-              <a:t>7W.</a:t>
+              <a:t>6F.</a:t>
             </a:r>
             <a:fld id="{CA4C0C47-BA92-4669-BC5C-D64A96AF3D01}" type="slidenum">
               <a:rPr lang="en-US" smtClean="0"/>
@@ -5769,7 +5681,7 @@
           <a:p>
             <a:r>
               <a:rPr lang="en-US" dirty="0" smtClean="0"/>
-              <a:t>7W.</a:t>
+              <a:t>6F.</a:t>
             </a:r>
             <a:fld id="{CA4C0C47-BA92-4669-BC5C-D64A96AF3D01}" type="slidenum">
               <a:rPr lang="en-US" smtClean="0"/>
@@ -6640,7 +6552,7 @@
           <a:p>
             <a:r>
               <a:rPr lang="en-US" dirty="0" smtClean="0"/>
-              <a:t>7W.</a:t>
+              <a:t>6F.</a:t>
             </a:r>
             <a:fld id="{CA4C0C47-BA92-4669-BC5C-D64A96AF3D01}" type="slidenum">
               <a:rPr lang="en-US" smtClean="0"/>
@@ -7726,7 +7638,7 @@
           <a:p>
             <a:r>
               <a:rPr lang="en-US" dirty="0" smtClean="0"/>
-              <a:t>7W.</a:t>
+              <a:t>6F.</a:t>
             </a:r>
             <a:fld id="{CA4C0C47-BA92-4669-BC5C-D64A96AF3D01}" type="slidenum">
               <a:rPr lang="en-US" smtClean="0"/>
@@ -8465,7 +8377,7 @@
           <a:p>
             <a:r>
               <a:rPr lang="en-US" dirty="0" smtClean="0"/>
-              <a:t>7W.</a:t>
+              <a:t>6F.</a:t>
             </a:r>
             <a:fld id="{CA4C0C47-BA92-4669-BC5C-D64A96AF3D01}" type="slidenum">
               <a:rPr lang="en-US" smtClean="0"/>
@@ -9404,7 +9316,7 @@
           <a:p>
             <a:r>
               <a:rPr lang="en-US" dirty="0" smtClean="0"/>
-              <a:t>7W.</a:t>
+              <a:t>6F.</a:t>
             </a:r>
             <a:fld id="{CA4C0C47-BA92-4669-BC5C-D64A96AF3D01}" type="slidenum">
               <a:rPr lang="en-US" smtClean="0"/>
@@ -9736,7 +9648,7 @@
           <a:p>
             <a:r>
               <a:rPr lang="en-US" dirty="0" smtClean="0"/>
-              <a:t>7W.</a:t>
+              <a:t>6F.</a:t>
             </a:r>
             <a:fld id="{CA4C0C47-BA92-4669-BC5C-D64A96AF3D01}" type="slidenum">
               <a:rPr lang="en-US" smtClean="0"/>
@@ -10411,7 +10323,7 @@
           <a:p>
             <a:r>
               <a:rPr lang="en-US" dirty="0" smtClean="0"/>
-              <a:t>7W.</a:t>
+              <a:t>6F.</a:t>
             </a:r>
             <a:fld id="{CA4C0C47-BA92-4669-BC5C-D64A96AF3D01}" type="slidenum">
               <a:rPr lang="en-US" smtClean="0"/>
@@ -11881,7 +11793,7 @@
           <a:p>
             <a:r>
               <a:rPr lang="en-US" dirty="0" smtClean="0"/>
-              <a:t>7W.</a:t>
+              <a:t>6F.</a:t>
             </a:r>
             <a:fld id="{CA4C0C47-BA92-4669-BC5C-D64A96AF3D01}" type="slidenum">
               <a:rPr lang="en-US" smtClean="0"/>
@@ -13857,7 +13769,7 @@
           <a:p>
             <a:r>
               <a:rPr lang="en-US" dirty="0" smtClean="0"/>
-              <a:t>7W.</a:t>
+              <a:t>6F.</a:t>
             </a:r>
             <a:fld id="{CA4C0C47-BA92-4669-BC5C-D64A96AF3D01}" type="slidenum">
               <a:rPr lang="en-US" smtClean="0"/>
@@ -14722,7 +14634,7 @@
           <a:p>
             <a:r>
               <a:rPr lang="en-US" dirty="0" smtClean="0"/>
-              <a:t>7W.</a:t>
+              <a:t>6F.</a:t>
             </a:r>
             <a:fld id="{CA4C0C47-BA92-4669-BC5C-D64A96AF3D01}" type="slidenum">
               <a:rPr lang="en-US" smtClean="0"/>
@@ -15384,7 +15296,11 @@
               <a:t>are </a:t>
             </a:r>
             <a:r>
-              <a:rPr lang="en-US" sz="4800" i="1" dirty="0"/>
+              <a:rPr lang="en-US" sz="4800" dirty="0">
+                <a:solidFill>
+                  <a:srgbClr val="B21EAB"/>
+                </a:solidFill>
+              </a:rPr>
               <a:t>comparable</a:t>
             </a:r>
             <a:r>
@@ -15464,7 +15380,7 @@
           <a:p>
             <a:r>
               <a:rPr lang="en-US" dirty="0" smtClean="0"/>
-              <a:t>7W.</a:t>
+              <a:t>6F.</a:t>
             </a:r>
             <a:fld id="{CA4C0C47-BA92-4669-BC5C-D64A96AF3D01}" type="slidenum">
               <a:rPr lang="en-US" smtClean="0"/>
@@ -15975,7 +15891,7 @@
           <a:p>
             <a:r>
               <a:rPr lang="en-US" dirty="0" smtClean="0"/>
-              <a:t>7W.</a:t>
+              <a:t>6F.</a:t>
             </a:r>
             <a:fld id="{CA4C0C47-BA92-4669-BC5C-D64A96AF3D01}" type="slidenum">
               <a:rPr lang="en-US" smtClean="0"/>
@@ -16147,7 +16063,7 @@
           <a:p>
             <a:r>
               <a:rPr lang="en-US" dirty="0" smtClean="0"/>
-              <a:t>7W.</a:t>
+              <a:t>6F.</a:t>
             </a:r>
             <a:fld id="{CA4C0C47-BA92-4669-BC5C-D64A96AF3D01}" type="slidenum">
               <a:rPr lang="en-US" smtClean="0"/>
@@ -17606,7 +17522,7 @@
           <a:p>
             <a:r>
               <a:rPr lang="en-US" dirty="0" smtClean="0"/>
-              <a:t>7W.</a:t>
+              <a:t>6F.</a:t>
             </a:r>
             <a:fld id="{CA4C0C47-BA92-4669-BC5C-D64A96AF3D01}" type="slidenum">
               <a:rPr lang="en-US" smtClean="0"/>
@@ -18013,7 +17929,7 @@
           <a:graphicData uri="http://schemas.openxmlformats.org/presentationml/2006/ole">
             <mc:AlternateContent xmlns:mc="http://schemas.openxmlformats.org/markup-compatibility/2006">
               <mc:Choice xmlns:v="urn:schemas-microsoft-com:vml" Requires="v">
-                <p:oleObj spid="_x0000_s103476" name="Equation" r:id="rId4" imgW="76200" imgH="165100" progId="Equation.DSMT4">
+                <p:oleObj spid="_x0000_s103488" name="Equation" r:id="rId4" imgW="76200" imgH="165100" progId="Equation.DSMT4">
                   <p:embed/>
                 </p:oleObj>
               </mc:Choice>
@@ -18083,7 +17999,7 @@
           <a:graphicData uri="http://schemas.openxmlformats.org/presentationml/2006/ole">
             <mc:AlternateContent xmlns:mc="http://schemas.openxmlformats.org/markup-compatibility/2006">
               <mc:Choice xmlns:v="urn:schemas-microsoft-com:vml" Requires="v">
-                <p:oleObj spid="_x0000_s103477" name="Equation" r:id="rId6" imgW="76200" imgH="165100" progId="Equation.DSMT4">
+                <p:oleObj spid="_x0000_s103489" name="Equation" r:id="rId6" imgW="76200" imgH="165100" progId="Equation.DSMT4">
                   <p:embed/>
                 </p:oleObj>
               </mc:Choice>
@@ -18456,7 +18372,7 @@
           <a:p>
             <a:r>
               <a:rPr lang="en-US" dirty="0" smtClean="0"/>
-              <a:t>7W.</a:t>
+              <a:t>6F.</a:t>
             </a:r>
             <a:fld id="{CA4C0C47-BA92-4669-BC5C-D64A96AF3D01}" type="slidenum">
               <a:rPr lang="en-US" smtClean="0"/>
@@ -18752,7 +18668,7 @@
             <a:graphicData uri="http://schemas.openxmlformats.org/presentationml/2006/ole">
               <mc:AlternateContent xmlns:mc="http://schemas.openxmlformats.org/markup-compatibility/2006">
                 <mc:Choice xmlns:v="urn:schemas-microsoft-com:vml" Requires="v">
-                  <p:oleObj spid="_x0000_s1042" name="Equation" r:id="rId4" imgW="215900" imgH="990600" progId="Equation.DSMT4">
+                  <p:oleObj spid="_x0000_s1049" name="Equation" r:id="rId4" imgW="215900" imgH="990600" progId="Equation.DSMT4">
                     <p:embed/>
                   </p:oleObj>
                 </mc:Choice>
@@ -18928,7 +18844,7 @@
           <a:p>
             <a:r>
               <a:rPr lang="en-US" dirty="0" smtClean="0"/>
-              <a:t>7W.</a:t>
+              <a:t>6F.</a:t>
             </a:r>
             <a:fld id="{CA4C0C47-BA92-4669-BC5C-D64A96AF3D01}" type="slidenum">
               <a:rPr lang="en-US" smtClean="0"/>
@@ -20549,7 +20465,7 @@
           <a:p>
             <a:r>
               <a:rPr lang="en-US" dirty="0" smtClean="0"/>
-              <a:t>7W.</a:t>
+              <a:t>6F.</a:t>
             </a:r>
             <a:fld id="{CA4C0C47-BA92-4669-BC5C-D64A96AF3D01}" type="slidenum">
               <a:rPr lang="en-US" smtClean="0"/>
@@ -22296,7 +22212,7 @@
           <a:p>
             <a:r>
               <a:rPr lang="en-US" dirty="0" smtClean="0"/>
-              <a:t>7W.</a:t>
+              <a:t>6F.</a:t>
             </a:r>
             <a:fld id="{CA4C0C47-BA92-4669-BC5C-D64A96AF3D01}" type="slidenum">
               <a:rPr lang="en-US" smtClean="0"/>
@@ -23931,7 +23847,7 @@
           <a:p>
             <a:r>
               <a:rPr lang="en-US" dirty="0" smtClean="0"/>
-              <a:t>7W.</a:t>
+              <a:t>6F.</a:t>
             </a:r>
             <a:fld id="{CA4C0C47-BA92-4669-BC5C-D64A96AF3D01}" type="slidenum">
               <a:rPr lang="en-US" smtClean="0"/>
@@ -26355,7 +26271,7 @@
           <a:p>
             <a:r>
               <a:rPr lang="en-US" dirty="0" smtClean="0"/>
-              <a:t>7W.</a:t>
+              <a:t>6F.</a:t>
             </a:r>
             <a:fld id="{CA4C0C47-BA92-4669-BC5C-D64A96AF3D01}" type="slidenum">
               <a:rPr lang="en-US" smtClean="0"/>
@@ -27037,7 +26953,7 @@
           <a:p>
             <a:r>
               <a:rPr lang="en-US" dirty="0" smtClean="0"/>
-              <a:t>7W.</a:t>
+              <a:t>6F.</a:t>
             </a:r>
             <a:fld id="{CA4C0C47-BA92-4669-BC5C-D64A96AF3D01}" type="slidenum">
               <a:rPr lang="en-US" smtClean="0"/>
@@ -27638,7 +27554,7 @@
           <a:p>
             <a:r>
               <a:rPr lang="en-US" dirty="0" smtClean="0"/>
-              <a:t>7W.</a:t>
+              <a:t>6F.</a:t>
             </a:r>
             <a:fld id="{CA4C0C47-BA92-4669-BC5C-D64A96AF3D01}" type="slidenum">
               <a:rPr lang="en-US" smtClean="0"/>
@@ -27959,7 +27875,7 @@
           <a:p>
             <a:r>
               <a:rPr lang="en-US" dirty="0" smtClean="0"/>
-              <a:t>7W.</a:t>
+              <a:t>6F.</a:t>
             </a:r>
             <a:fld id="{CA4C0C47-BA92-4669-BC5C-D64A96AF3D01}" type="slidenum">
               <a:rPr lang="en-US" smtClean="0"/>
@@ -28214,7 +28130,7 @@
           <a:p>
             <a:r>
               <a:rPr lang="en-US" dirty="0" smtClean="0"/>
-              <a:t>7W.</a:t>
+              <a:t>6F.</a:t>
             </a:r>
             <a:fld id="{CA4C0C47-BA92-4669-BC5C-D64A96AF3D01}" type="slidenum">
               <a:rPr lang="en-US" smtClean="0"/>
@@ -28616,7 +28532,7 @@
           <a:p>
             <a:r>
               <a:rPr lang="en-US" dirty="0" smtClean="0"/>
-              <a:t>7W.</a:t>
+              <a:t>6F.</a:t>
             </a:r>
             <a:fld id="{CA4C0C47-BA92-4669-BC5C-D64A96AF3D01}" type="slidenum">
               <a:rPr lang="en-US" smtClean="0"/>
@@ -28643,7 +28559,7 @@
           <a:graphicData uri="http://schemas.openxmlformats.org/presentationml/2006/ole">
             <mc:AlternateContent xmlns:mc="http://schemas.openxmlformats.org/markup-compatibility/2006">
               <mc:Choice xmlns:v="urn:schemas-microsoft-com:vml" Requires="v">
-                <p:oleObj spid="_x0000_s80922" name="Equation" r:id="rId4" imgW="850900" imgH="355600" progId="Equation.DSMT4">
+                <p:oleObj spid="_x0000_s80929" name="Equation" r:id="rId4" imgW="850900" imgH="355600" progId="Equation.DSMT4">
                   <p:embed/>
                 </p:oleObj>
               </mc:Choice>
@@ -29019,7 +28935,7 @@
           <a:p>
             <a:r>
               <a:rPr lang="en-US" dirty="0" smtClean="0"/>
-              <a:t>7W.</a:t>
+              <a:t>6F.</a:t>
             </a:r>
             <a:fld id="{CA4C0C47-BA92-4669-BC5C-D64A96AF3D01}" type="slidenum">
               <a:rPr lang="en-US" smtClean="0"/>
@@ -29091,7 +29007,7 @@
           <a:graphicData uri="http://schemas.openxmlformats.org/presentationml/2006/ole">
             <mc:AlternateContent xmlns:mc="http://schemas.openxmlformats.org/markup-compatibility/2006">
               <mc:Choice xmlns:v="urn:schemas-microsoft-com:vml" Requires="v">
-                <p:oleObj spid="_x0000_s55364" name="Equation" r:id="rId4" imgW="215900" imgH="1270000" progId="Equation.DSMT4">
+                <p:oleObj spid="_x0000_s55381" name="Equation" r:id="rId4" imgW="215900" imgH="1270000" progId="Equation.DSMT4">
                   <p:embed/>
                 </p:oleObj>
               </mc:Choice>
@@ -29426,7 +29342,7 @@
           <a:graphicData uri="http://schemas.openxmlformats.org/presentationml/2006/ole">
             <mc:AlternateContent xmlns:mc="http://schemas.openxmlformats.org/markup-compatibility/2006">
               <mc:Choice xmlns:v="urn:schemas-microsoft-com:vml" Requires="v">
-                <p:oleObj spid="_x0000_s55365" name="Equation" r:id="rId6" imgW="533400" imgH="596900" progId="Equation.DSMT4">
+                <p:oleObj spid="_x0000_s55382" name="Equation" r:id="rId6" imgW="533400" imgH="596900" progId="Equation.DSMT4">
                   <p:embed/>
                 </p:oleObj>
               </mc:Choice>
@@ -29490,7 +29406,7 @@
           <a:graphicData uri="http://schemas.openxmlformats.org/presentationml/2006/ole">
             <mc:AlternateContent xmlns:mc="http://schemas.openxmlformats.org/markup-compatibility/2006">
               <mc:Choice xmlns:v="urn:schemas-microsoft-com:vml" Requires="v">
-                <p:oleObj spid="_x0000_s55366" name="Equation" r:id="rId8" imgW="546100" imgH="177800" progId="Equation.DSMT4">
+                <p:oleObj spid="_x0000_s55383" name="Equation" r:id="rId8" imgW="546100" imgH="177800" progId="Equation.DSMT4">
                   <p:embed/>
                 </p:oleObj>
               </mc:Choice>
@@ -30531,7 +30447,7 @@
           <a:p>
             <a:r>
               <a:rPr lang="en-US" dirty="0" smtClean="0"/>
-              <a:t>7W.</a:t>
+              <a:t>6F.</a:t>
             </a:r>
             <a:fld id="{CA4C0C47-BA92-4669-BC5C-D64A96AF3D01}" type="slidenum">
               <a:rPr lang="en-US" smtClean="0"/>
@@ -30558,7 +30474,7 @@
           <a:graphicData uri="http://schemas.openxmlformats.org/presentationml/2006/ole">
             <mc:AlternateContent xmlns:mc="http://schemas.openxmlformats.org/markup-compatibility/2006">
               <mc:Choice xmlns:v="urn:schemas-microsoft-com:vml" Requires="v">
-                <p:oleObj spid="_x0000_s107548" name="Equation" r:id="rId4" imgW="266400" imgH="939600" progId="Equation.DSMT4">
+                <p:oleObj spid="_x0000_s107555" name="Equation" r:id="rId4" imgW="266400" imgH="939600" progId="Equation.DSMT4">
                   <p:embed/>
                 </p:oleObj>
               </mc:Choice>
@@ -30998,7 +30914,7 @@
           <a:p>
             <a:r>
               <a:rPr lang="en-US" dirty="0" smtClean="0"/>
-              <a:t>7W.</a:t>
+              <a:t>6F.</a:t>
             </a:r>
             <a:fld id="{CA4C0C47-BA92-4669-BC5C-D64A96AF3D01}" type="slidenum">
               <a:rPr lang="en-US" smtClean="0"/>
@@ -31031,7 +30947,7 @@
           <a:graphicData uri="http://schemas.openxmlformats.org/presentationml/2006/ole">
             <mc:AlternateContent xmlns:mc="http://schemas.openxmlformats.org/markup-compatibility/2006">
               <mc:Choice xmlns:v="urn:schemas-microsoft-com:vml" Requires="v">
-                <p:oleObj spid="_x0000_s110611" name="Equation" r:id="rId4" imgW="241300" imgH="279400" progId="Equation.DSMT4">
+                <p:oleObj spid="_x0000_s110623" name="Equation" r:id="rId4" imgW="241300" imgH="279400" progId="Equation.DSMT4">
                   <p:embed/>
                 </p:oleObj>
               </mc:Choice>
@@ -31088,7 +31004,7 @@
           <a:graphicData uri="http://schemas.openxmlformats.org/presentationml/2006/ole">
             <mc:AlternateContent xmlns:mc="http://schemas.openxmlformats.org/markup-compatibility/2006">
               <mc:Choice xmlns:v="urn:schemas-microsoft-com:vml" Requires="v">
-                <p:oleObj spid="_x0000_s110612" name="Equation" r:id="rId6" imgW="241300" imgH="279400" progId="Equation.DSMT4">
+                <p:oleObj spid="_x0000_s110624" name="Equation" r:id="rId6" imgW="241300" imgH="279400" progId="Equation.DSMT4">
                   <p:embed/>
                 </p:oleObj>
               </mc:Choice>
@@ -31645,7 +31561,7 @@
           <a:p>
             <a:r>
               <a:rPr lang="en-US" dirty="0" smtClean="0"/>
-              <a:t>7W.</a:t>
+              <a:t>6F.</a:t>
             </a:r>
             <a:fld id="{CA4C0C47-BA92-4669-BC5C-D64A96AF3D01}" type="slidenum">
               <a:rPr lang="en-US" smtClean="0"/>
@@ -31962,7 +31878,7 @@
             </a:pPr>
             <a:r>
               <a:rPr lang="en-US" sz="4800" dirty="0" smtClean="0"/>
-              <a:t>by Dilworth, our class of 230 </a:t>
+              <a:t>by Dilworth, our class of 120 </a:t>
             </a:r>
           </a:p>
           <a:p>
@@ -32029,7 +31945,7 @@
           <a:p>
             <a:r>
               <a:rPr lang="en-US" dirty="0" smtClean="0"/>
-              <a:t>7W.</a:t>
+              <a:t>6F.</a:t>
             </a:r>
             <a:fld id="{CA4C0C47-BA92-4669-BC5C-D64A96AF3D01}" type="slidenum">
               <a:rPr lang="en-US" smtClean="0"/>
@@ -32042,32 +31958,32 @@
       </p:sp>
       <p:graphicFrame>
         <p:nvGraphicFramePr>
-          <p:cNvPr id="2" name="Object 1"/>
+          <p:cNvPr id="3" name="Object 2"/>
           <p:cNvGraphicFramePr>
             <a:graphicFrameLocks noChangeAspect="1"/>
           </p:cNvGraphicFramePr>
           <p:nvPr>
             <p:extLst>
               <p:ext uri="{D42A27DB-BD31-4B8C-83A1-F6EECF244321}">
-                <p14:modId xmlns:p14="http://schemas.microsoft.com/office/powerpoint/2010/main" val="628952433"/>
+                <p14:modId xmlns:p14="http://schemas.microsoft.com/office/powerpoint/2010/main" val="1095547490"/>
               </p:ext>
             </p:extLst>
           </p:nvPr>
         </p:nvGraphicFramePr>
         <p:xfrm>
-          <a:off x="2336348" y="3084301"/>
-          <a:ext cx="4296854" cy="2083323"/>
+          <a:off x="2369224" y="3113839"/>
+          <a:ext cx="4353365" cy="2246898"/>
         </p:xfrm>
         <a:graphic>
           <a:graphicData uri="http://schemas.openxmlformats.org/presentationml/2006/ole">
             <mc:AlternateContent xmlns:mc="http://schemas.openxmlformats.org/markup-compatibility/2006">
               <mc:Choice xmlns:v="urn:schemas-microsoft-com:vml" Requires="v">
-                <p:oleObj spid="_x0000_s111623" name="Equation" r:id="rId3" imgW="838200" imgH="406400" progId="Equation.DSMT4">
+                <p:oleObj spid="_x0000_s111632" name="Equation" r:id="rId3" imgW="787400" imgH="406400" progId="Equation.DSMT4">
                   <p:embed/>
                 </p:oleObj>
               </mc:Choice>
               <mc:Fallback>
-                <p:oleObj name="Equation" r:id="rId3" imgW="838200" imgH="406400" progId="Equation.DSMT4">
+                <p:oleObj name="Equation" r:id="rId3" imgW="787400" imgH="406400" progId="Equation.DSMT4">
                   <p:embed/>
                   <p:pic>
                     <p:nvPicPr>
@@ -32083,8 +31999,8 @@
                     </p:blipFill>
                     <p:spPr>
                       <a:xfrm>
-                        <a:off x="2336348" y="3084301"/>
-                        <a:ext cx="4296854" cy="2083323"/>
+                        <a:off x="2369224" y="3113839"/>
+                        <a:ext cx="4353365" cy="2246898"/>
                       </a:xfrm>
                       <a:prstGeom prst="rect">
                         <a:avLst/>
@@ -32122,83 +32038,7 @@
   <p:timing>
     <p:tnLst>
       <p:par>
-        <p:cTn xmlns:p14="http://schemas.microsoft.com/office/powerpoint/2010/main" id="1" dur="indefinite" restart="never" nodeType="tmRoot">
-          <p:childTnLst>
-            <p:seq concurrent="1" nextAc="seek">
-              <p:cTn id="2" dur="indefinite" nodeType="mainSeq">
-                <p:childTnLst>
-                  <p:par>
-                    <p:cTn id="3" fill="hold">
-                      <p:stCondLst>
-                        <p:cond delay="indefinite"/>
-                      </p:stCondLst>
-                      <p:childTnLst>
-                        <p:par>
-                          <p:cTn id="4" fill="hold">
-                            <p:stCondLst>
-                              <p:cond delay="0"/>
-                            </p:stCondLst>
-                            <p:childTnLst>
-                              <p:par>
-                                <p:cTn id="5" presetID="22" presetClass="entr" presetSubtype="8" fill="hold" nodeType="clickEffect">
-                                  <p:stCondLst>
-                                    <p:cond delay="0"/>
-                                  </p:stCondLst>
-                                  <p:childTnLst>
-                                    <p:set>
-                                      <p:cBhvr>
-                                        <p:cTn id="6" dur="1" fill="hold">
-                                          <p:stCondLst>
-                                            <p:cond delay="0"/>
-                                          </p:stCondLst>
-                                        </p:cTn>
-                                        <p:tgtEl>
-                                          <p:spTgt spid="2"/>
-                                        </p:tgtEl>
-                                        <p:attrNameLst>
-                                          <p:attrName>style.visibility</p:attrName>
-                                        </p:attrNameLst>
-                                      </p:cBhvr>
-                                      <p:to>
-                                        <p:strVal val="visible"/>
-                                      </p:to>
-                                    </p:set>
-                                    <p:animEffect transition="in" filter="wipe(left)">
-                                      <p:cBhvr>
-                                        <p:cTn id="7" dur="500"/>
-                                        <p:tgtEl>
-                                          <p:spTgt spid="2"/>
-                                        </p:tgtEl>
-                                      </p:cBhvr>
-                                    </p:animEffect>
-                                  </p:childTnLst>
-                                </p:cTn>
-                              </p:par>
-                            </p:childTnLst>
-                          </p:cTn>
-                        </p:par>
-                      </p:childTnLst>
-                    </p:cTn>
-                  </p:par>
-                </p:childTnLst>
-              </p:cTn>
-              <p:prevCondLst>
-                <p:cond evt="onPrev" delay="0">
-                  <p:tgtEl>
-                    <p:sldTgt/>
-                  </p:tgtEl>
-                </p:cond>
-              </p:prevCondLst>
-              <p:nextCondLst>
-                <p:cond evt="onNext" delay="0">
-                  <p:tgtEl>
-                    <p:sldTgt/>
-                  </p:tgtEl>
-                </p:cond>
-              </p:nextCondLst>
-            </p:seq>
-          </p:childTnLst>
-        </p:cTn>
+        <p:cTn xmlns:p14="http://schemas.microsoft.com/office/powerpoint/2010/main" id="1" dur="indefinite" restart="never" nodeType="tmRoot"/>
       </p:par>
     </p:tnLst>
   </p:timing>
@@ -32602,7 +32442,7 @@
           <a:p>
             <a:r>
               <a:rPr lang="en-US" dirty="0" smtClean="0"/>
-              <a:t>7W.</a:t>
+              <a:t>6F.</a:t>
             </a:r>
             <a:fld id="{CA4C0C47-BA92-4669-BC5C-D64A96AF3D01}" type="slidenum">
               <a:rPr lang="en-US" smtClean="0"/>
@@ -32713,157 +32553,6 @@
 </p:sld>
 </file>
 
-<file path=ppt/slides/slide39.xml><?xml version="1.0" encoding="utf-8"?>
-<p:sld xmlns:a="http://schemas.openxmlformats.org/drawingml/2006/main" xmlns:r="http://schemas.openxmlformats.org/officeDocument/2006/relationships" xmlns:p="http://schemas.openxmlformats.org/presentationml/2006/main">
-  <p:cSld>
-    <p:spTree>
-      <p:nvGrpSpPr>
-        <p:cNvPr id="1" name=""/>
-        <p:cNvGrpSpPr/>
-        <p:nvPr/>
-      </p:nvGrpSpPr>
-      <p:grpSpPr>
-        <a:xfrm>
-          <a:off x="0" y="0"/>
-          <a:ext cx="0" cy="0"/>
-          <a:chOff x="0" y="0"/>
-          <a:chExt cx="0" cy="0"/>
-        </a:xfrm>
-      </p:grpSpPr>
-      <p:sp>
-        <p:nvSpPr>
-          <p:cNvPr id="34819" name="Rectangle 2"/>
-          <p:cNvSpPr>
-            <a:spLocks noGrp="1" noChangeArrowheads="1"/>
-          </p:cNvSpPr>
-          <p:nvPr>
-            <p:ph type="title"/>
-          </p:nvPr>
-        </p:nvSpPr>
-        <p:spPr/>
-        <p:txBody>
-          <a:bodyPr/>
-          <a:lstStyle/>
-          <a:p>
-            <a:r>
-              <a:rPr lang="en-US" sz="4800" dirty="0" smtClean="0"/>
-              <a:t>Team Problems</a:t>
-            </a:r>
-          </a:p>
-        </p:txBody>
-      </p:sp>
-      <p:sp>
-        <p:nvSpPr>
-          <p:cNvPr id="34820" name="Rectangle 3"/>
-          <p:cNvSpPr>
-            <a:spLocks noGrp="1" noChangeArrowheads="1"/>
-          </p:cNvSpPr>
-          <p:nvPr>
-            <p:ph type="body" idx="1"/>
-          </p:nvPr>
-        </p:nvSpPr>
-        <p:spPr>
-          <a:xfrm>
-            <a:off x="629376" y="1438468"/>
-            <a:ext cx="7888987" cy="4047932"/>
-          </a:xfrm>
-        </p:spPr>
-        <p:txBody>
-          <a:bodyPr/>
-          <a:lstStyle/>
-          <a:p>
-            <a:pPr algn="ctr">
-              <a:spcBef>
-                <a:spcPts val="1200"/>
-              </a:spcBef>
-              <a:buFontTx/>
-              <a:buNone/>
-            </a:pPr>
-            <a:r>
-              <a:rPr lang="en-US" sz="11500" dirty="0" smtClean="0"/>
-              <a:t>Problems</a:t>
-            </a:r>
-          </a:p>
-          <a:p>
-            <a:pPr algn="ctr">
-              <a:spcBef>
-                <a:spcPts val="1200"/>
-              </a:spcBef>
-              <a:buFontTx/>
-              <a:buNone/>
-            </a:pPr>
-            <a:r>
-              <a:rPr lang="en-US" sz="11500" dirty="0" smtClean="0"/>
-              <a:t>1</a:t>
-            </a:r>
-            <a:r>
-              <a:rPr lang="en-US" sz="11500" dirty="0" smtClean="0">
-                <a:sym typeface="Symbol"/>
-              </a:rPr>
-              <a:t>−3</a:t>
-            </a:r>
-            <a:endParaRPr lang="en-US" sz="12700" dirty="0" smtClean="0"/>
-          </a:p>
-        </p:txBody>
-      </p:sp>
-      <p:sp>
-        <p:nvSpPr>
-          <p:cNvPr id="5" name="Slide Number Placeholder 5"/>
-          <p:cNvSpPr>
-            <a:spLocks noGrp="1"/>
-          </p:cNvSpPr>
-          <p:nvPr>
-            <p:ph type="sldNum" sz="quarter" idx="4"/>
-          </p:nvPr>
-        </p:nvSpPr>
-        <p:spPr>
-          <a:xfrm>
-            <a:off x="8237750" y="6596742"/>
-            <a:ext cx="906250" cy="261257"/>
-          </a:xfrm>
-          <a:prstGeom prst="rect">
-            <a:avLst/>
-          </a:prstGeom>
-        </p:spPr>
-        <p:txBody>
-          <a:bodyPr/>
-          <a:lstStyle>
-            <a:lvl1pPr>
-              <a:defRPr sz="1200">
-                <a:latin typeface="Comic Sans MS" pitchFamily="66" charset="0"/>
-              </a:defRPr>
-            </a:lvl1pPr>
-          </a:lstStyle>
-          <a:p>
-            <a:r>
-              <a:rPr lang="en-US" dirty="0" smtClean="0"/>
-              <a:t>7W.</a:t>
-            </a:r>
-            <a:fld id="{CA4C0C47-BA92-4669-BC5C-D64A96AF3D01}" type="slidenum">
-              <a:rPr lang="en-US" smtClean="0"/>
-              <a:pPr/>
-              <a:t>39</a:t>
-            </a:fld>
-            <a:endParaRPr lang="en-US" dirty="0"/>
-          </a:p>
-        </p:txBody>
-      </p:sp>
-    </p:spTree>
-  </p:cSld>
-  <p:clrMapOvr>
-    <a:masterClrMapping/>
-  </p:clrMapOvr>
-  <p:transition xmlns:p14="http://schemas.microsoft.com/office/powerpoint/2010/main"/>
-  <p:timing>
-    <p:tnLst>
-      <p:par>
-        <p:cTn xmlns:p14="http://schemas.microsoft.com/office/powerpoint/2010/main" id="1" dur="indefinite" restart="never" nodeType="tmRoot"/>
-      </p:par>
-    </p:tnLst>
-  </p:timing>
-</p:sld>
-</file>
-
 <file path=ppt/slides/slide4.xml><?xml version="1.0" encoding="utf-8"?>
 <p:sld xmlns:a="http://schemas.openxmlformats.org/drawingml/2006/main" xmlns:r="http://schemas.openxmlformats.org/officeDocument/2006/relationships" xmlns:p="http://schemas.openxmlformats.org/presentationml/2006/main">
   <p:cSld>
@@ -33181,7 +32870,7 @@
           <a:p>
             <a:r>
               <a:rPr lang="en-US" dirty="0" smtClean="0"/>
-              <a:t>7W.</a:t>
+              <a:t>6F.</a:t>
             </a:r>
             <a:fld id="{CA4C0C47-BA92-4669-BC5C-D64A96AF3D01}" type="slidenum">
               <a:rPr lang="en-US" smtClean="0"/>
@@ -33680,7 +33369,7 @@
           <a:p>
             <a:r>
               <a:rPr lang="en-US" dirty="0" smtClean="0"/>
-              <a:t>7W.</a:t>
+              <a:t>6F.</a:t>
             </a:r>
             <a:fld id="{CA4C0C47-BA92-4669-BC5C-D64A96AF3D01}" type="slidenum">
               <a:rPr lang="en-US" smtClean="0"/>
@@ -34461,7 +34150,7 @@
           <a:p>
             <a:r>
               <a:rPr lang="en-US" dirty="0" smtClean="0"/>
-              <a:t>7W.</a:t>
+              <a:t>6F.</a:t>
             </a:r>
             <a:fld id="{CA4C0C47-BA92-4669-BC5C-D64A96AF3D01}" type="slidenum">
               <a:rPr lang="en-US" smtClean="0"/>
@@ -34723,7 +34412,7 @@
 </file>
 
 <file path=ppt/slides/slide7.xml><?xml version="1.0" encoding="utf-8"?>
-<p:sld xmlns:a="http://schemas.openxmlformats.org/drawingml/2006/main" xmlns:r="http://schemas.openxmlformats.org/officeDocument/2006/relationships" xmlns:p="http://schemas.openxmlformats.org/presentationml/2006/main" show="0">
+<p:sld xmlns:a="http://schemas.openxmlformats.org/drawingml/2006/main" xmlns:r="http://schemas.openxmlformats.org/officeDocument/2006/relationships" xmlns:p="http://schemas.openxmlformats.org/presentationml/2006/main">
   <p:cSld>
     <p:spTree>
       <p:nvGrpSpPr>
@@ -34749,7 +34438,7 @@
         </p:nvSpPr>
         <p:spPr bwMode="auto">
           <a:xfrm>
-            <a:off x="493924" y="1367481"/>
+            <a:off x="1001908" y="1073385"/>
             <a:ext cx="6911891" cy="1446550"/>
           </a:xfrm>
           <a:prstGeom prst="rect">
@@ -34861,7 +34550,7 @@
         </p:nvSpPr>
         <p:spPr bwMode="auto">
           <a:xfrm>
-            <a:off x="342899" y="3830594"/>
+            <a:off x="342899" y="3630074"/>
             <a:ext cx="8562203" cy="1446550"/>
           </a:xfrm>
           <a:prstGeom prst="rect">
@@ -34944,76 +34633,6 @@
           </a:p>
         </p:txBody>
       </p:sp>
-      <p:graphicFrame>
-        <p:nvGraphicFramePr>
-          <p:cNvPr id="626694" name="Object 6"/>
-          <p:cNvGraphicFramePr>
-            <a:graphicFrameLocks noChangeAspect="1"/>
-          </p:cNvGraphicFramePr>
-          <p:nvPr/>
-        </p:nvGraphicFramePr>
-        <p:xfrm>
-          <a:off x="1193800" y="2611438"/>
-          <a:ext cx="6775450" cy="1236662"/>
-        </p:xfrm>
-        <a:graphic>
-          <a:graphicData uri="http://schemas.openxmlformats.org/presentationml/2006/ole">
-            <mc:AlternateContent xmlns:mc="http://schemas.openxmlformats.org/markup-compatibility/2006">
-              <mc:Choice xmlns:v="urn:schemas-microsoft-com:vml" Requires="v">
-                <p:oleObj spid="_x0000_s31789" name="Equation" r:id="rId4" imgW="1320800" imgH="241300" progId="Equation.DSMT4">
-                  <p:embed/>
-                </p:oleObj>
-              </mc:Choice>
-              <mc:Fallback>
-                <p:oleObj name="Equation" r:id="rId4" imgW="1320800" imgH="241300" progId="Equation.DSMT4">
-                  <p:embed/>
-                  <p:pic>
-                    <p:nvPicPr>
-                      <p:cNvPr id="0" name="Picture 2"/>
-                      <p:cNvPicPr>
-                        <a:picLocks noChangeAspect="1" noChangeArrowheads="1"/>
-                      </p:cNvPicPr>
-                      <p:nvPr/>
-                    </p:nvPicPr>
-                    <p:blipFill>
-                      <a:blip r:embed="rId5">
-                        <a:extLst>
-                          <a:ext uri="{28A0092B-C50C-407E-A947-70E740481C1C}">
-                            <a14:useLocalDpi xmlns:a14="http://schemas.microsoft.com/office/drawing/2010/main" val="0"/>
-                          </a:ext>
-                        </a:extLst>
-                      </a:blip>
-                      <a:srcRect/>
-                      <a:stretch>
-                        <a:fillRect/>
-                      </a:stretch>
-                    </p:blipFill>
-                    <p:spPr bwMode="auto">
-                      <a:xfrm>
-                        <a:off x="1193800" y="2611438"/>
-                        <a:ext cx="6775450" cy="1236662"/>
-                      </a:xfrm>
-                      <a:prstGeom prst="rect">
-                        <a:avLst/>
-                      </a:prstGeom>
-                      <a:noFill/>
-                      <a:extLst>
-                        <a:ext uri="{909E8E84-426E-40dd-AFC4-6F175D3DCCD1}">
-                          <a14:hiddenFill xmlns:a14="http://schemas.microsoft.com/office/drawing/2010/main">
-                            <a:solidFill>
-                              <a:srgbClr val="FFFFFF"/>
-                            </a:solidFill>
-                          </a14:hiddenFill>
-                        </a:ext>
-                      </a:extLst>
-                    </p:spPr>
-                  </p:pic>
-                </p:oleObj>
-              </mc:Fallback>
-            </mc:AlternateContent>
-          </a:graphicData>
-        </a:graphic>
-      </p:graphicFrame>
       <p:sp>
         <p:nvSpPr>
           <p:cNvPr id="626695" name="Line 7"/>
@@ -35024,7 +34643,7 @@
         </p:nvSpPr>
         <p:spPr bwMode="auto">
           <a:xfrm flipV="1">
-            <a:off x="533400" y="3810000"/>
+            <a:off x="533400" y="3676320"/>
             <a:ext cx="8001000" cy="0"/>
           </a:xfrm>
           <a:prstGeom prst="line">
@@ -35083,7 +34702,7 @@
           <a:p>
             <a:r>
               <a:rPr lang="en-US" dirty="0" smtClean="0"/>
-              <a:t>7W.</a:t>
+              <a:t>6F.</a:t>
             </a:r>
             <a:fld id="{CA4C0C47-BA92-4669-BC5C-D64A96AF3D01}" type="slidenum">
               <a:rPr lang="en-US" smtClean="0"/>
@@ -35096,66 +34715,110 @@
       </p:sp>
       <p:graphicFrame>
         <p:nvGraphicFramePr>
-          <p:cNvPr id="4100" name="Object 4"/>
+          <p:cNvPr id="2" name="Object 1"/>
           <p:cNvGraphicFramePr>
             <a:graphicFrameLocks noChangeAspect="1"/>
           </p:cNvGraphicFramePr>
-          <p:nvPr/>
+          <p:nvPr>
+            <p:extLst>
+              <p:ext uri="{D42A27DB-BD31-4B8C-83A1-F6EECF244321}">
+                <p14:modId xmlns:p14="http://schemas.microsoft.com/office/powerpoint/2010/main" val="478899098"/>
+              </p:ext>
+            </p:extLst>
+          </p:nvPr>
         </p:nvGraphicFramePr>
         <p:xfrm>
-          <a:off x="2032000" y="5213350"/>
-          <a:ext cx="5002213" cy="1284288"/>
+          <a:off x="1146495" y="2187088"/>
+          <a:ext cx="6778487" cy="1574800"/>
         </p:xfrm>
         <a:graphic>
           <a:graphicData uri="http://schemas.openxmlformats.org/presentationml/2006/ole">
             <mc:AlternateContent xmlns:mc="http://schemas.openxmlformats.org/markup-compatibility/2006">
               <mc:Choice xmlns:v="urn:schemas-microsoft-com:vml" Requires="v">
-                <p:oleObj spid="_x0000_s31790" name="Equation" r:id="rId6" imgW="939800" imgH="241300" progId="Equation.DSMT4">
+                <p:oleObj spid="_x0000_s31804" name="Equation" r:id="rId4" imgW="1257300" imgH="292100" progId="Equation.DSMT4">
                   <p:embed/>
                 </p:oleObj>
               </mc:Choice>
               <mc:Fallback>
-                <p:oleObj name="Equation" r:id="rId6" imgW="939800" imgH="241300" progId="Equation.DSMT4">
+                <p:oleObj name="Equation" r:id="rId4" imgW="1257300" imgH="292100" progId="Equation.DSMT4">
                   <p:embed/>
                   <p:pic>
                     <p:nvPicPr>
-                      <p:cNvPr id="0" name="Picture 3"/>
-                      <p:cNvPicPr>
-                        <a:picLocks noChangeAspect="1" noChangeArrowheads="1"/>
-                      </p:cNvPicPr>
+                      <p:cNvPr id="0" name=""/>
+                      <p:cNvPicPr/>
                       <p:nvPr/>
                     </p:nvPicPr>
                     <p:blipFill>
-                      <a:blip r:embed="rId7">
-                        <a:extLst>
-                          <a:ext uri="{28A0092B-C50C-407E-A947-70E740481C1C}">
-                            <a14:useLocalDpi xmlns:a14="http://schemas.microsoft.com/office/drawing/2010/main" val="0"/>
-                          </a:ext>
-                        </a:extLst>
-                      </a:blip>
-                      <a:srcRect/>
+                      <a:blip r:embed="rId5"/>
                       <a:stretch>
                         <a:fillRect/>
                       </a:stretch>
                     </p:blipFill>
-                    <p:spPr bwMode="auto">
+                    <p:spPr>
                       <a:xfrm>
-                        <a:off x="2032000" y="5213350"/>
-                        <a:ext cx="5002213" cy="1284288"/>
+                        <a:off x="1146495" y="2187088"/>
+                        <a:ext cx="6778487" cy="1574800"/>
                       </a:xfrm>
                       <a:prstGeom prst="rect">
                         <a:avLst/>
                       </a:prstGeom>
-                      <a:noFill/>
-                      <a:extLst>
-                        <a:ext uri="{909E8E84-426E-40dd-AFC4-6F175D3DCCD1}">
-                          <a14:hiddenFill xmlns:a14="http://schemas.microsoft.com/office/drawing/2010/main">
-                            <a:solidFill>
-                              <a:srgbClr val="FFFFFF"/>
-                            </a:solidFill>
-                          </a14:hiddenFill>
-                        </a:ext>
-                      </a:extLst>
+                    </p:spPr>
+                  </p:pic>
+                </p:oleObj>
+              </mc:Fallback>
+            </mc:AlternateContent>
+          </a:graphicData>
+        </a:graphic>
+      </p:graphicFrame>
+      <p:graphicFrame>
+        <p:nvGraphicFramePr>
+          <p:cNvPr id="3" name="Object 2"/>
+          <p:cNvGraphicFramePr>
+            <a:graphicFrameLocks noChangeAspect="1"/>
+          </p:cNvGraphicFramePr>
+          <p:nvPr>
+            <p:extLst>
+              <p:ext uri="{D42A27DB-BD31-4B8C-83A1-F6EECF244321}">
+                <p14:modId xmlns:p14="http://schemas.microsoft.com/office/powerpoint/2010/main" val="2482690137"/>
+              </p:ext>
+            </p:extLst>
+          </p:nvPr>
+        </p:nvGraphicFramePr>
+        <p:xfrm>
+          <a:off x="1413375" y="4748464"/>
+          <a:ext cx="6113045" cy="1714635"/>
+        </p:xfrm>
+        <a:graphic>
+          <a:graphicData uri="http://schemas.openxmlformats.org/presentationml/2006/ole">
+            <mc:AlternateContent xmlns:mc="http://schemas.openxmlformats.org/markup-compatibility/2006">
+              <mc:Choice xmlns:v="urn:schemas-microsoft-com:vml" Requires="v">
+                <p:oleObj spid="_x0000_s31805" name="Equation" r:id="rId6" imgW="1041400" imgH="292100" progId="Equation.DSMT4">
+                  <p:embed/>
+                </p:oleObj>
+              </mc:Choice>
+              <mc:Fallback>
+                <p:oleObj name="Equation" r:id="rId6" imgW="1041400" imgH="292100" progId="Equation.DSMT4">
+                  <p:embed/>
+                  <p:pic>
+                    <p:nvPicPr>
+                      <p:cNvPr id="0" name=""/>
+                      <p:cNvPicPr/>
+                      <p:nvPr/>
+                    </p:nvPicPr>
+                    <p:blipFill>
+                      <a:blip r:embed="rId7"/>
+                      <a:stretch>
+                        <a:fillRect/>
+                      </a:stretch>
+                    </p:blipFill>
+                    <p:spPr>
+                      <a:xfrm>
+                        <a:off x="1413375" y="4748464"/>
+                        <a:ext cx="6113045" cy="1714635"/>
+                      </a:xfrm>
+                      <a:prstGeom prst="rect">
+                        <a:avLst/>
+                      </a:prstGeom>
                     </p:spPr>
                   </p:pic>
                 </p:oleObj>
@@ -35302,51 +34965,6 @@
                       </p:childTnLst>
                     </p:cTn>
                   </p:par>
-                  <p:par>
-                    <p:cTn id="13" fill="hold">
-                      <p:stCondLst>
-                        <p:cond delay="indefinite"/>
-                      </p:stCondLst>
-                      <p:childTnLst>
-                        <p:par>
-                          <p:cTn id="14" fill="hold">
-                            <p:stCondLst>
-                              <p:cond delay="0"/>
-                            </p:stCondLst>
-                            <p:childTnLst>
-                              <p:par>
-                                <p:cTn id="15" presetID="1" presetClass="entr" presetSubtype="0" fill="hold" nodeType="clickEffect">
-                                  <p:stCondLst>
-                                    <p:cond delay="0"/>
-                                  </p:stCondLst>
-                                  <p:childTnLst>
-                                    <p:set>
-                                      <p:cBhvr>
-                                        <p:cTn id="16" dur="1" fill="hold">
-                                          <p:stCondLst>
-                                            <p:cond delay="0"/>
-                                          </p:stCondLst>
-                                        </p:cTn>
-                                        <p:tgtEl>
-                                          <p:spTgt spid="4100"/>
-                                        </p:tgtEl>
-                                        <p:attrNameLst>
-                                          <p:attrName>style.visibility</p:attrName>
-                                        </p:attrNameLst>
-                                      </p:cBhvr>
-                                      <p:to>
-                                        <p:strVal val="visible"/>
-                                      </p:to>
-                                    </p:set>
-                                  </p:childTnLst>
-                                </p:cTn>
-                              </p:par>
-                            </p:childTnLst>
-                          </p:cTn>
-                        </p:par>
-                      </p:childTnLst>
-                    </p:cTn>
-                  </p:par>
                 </p:childTnLst>
               </p:cTn>
               <p:prevCondLst>
@@ -35978,7 +35596,7 @@
           <a:p>
             <a:r>
               <a:rPr lang="en-US" dirty="0" smtClean="0"/>
-              <a:t>7W.</a:t>
+              <a:t>6F.</a:t>
             </a:r>
             <a:fld id="{CA4C0C47-BA92-4669-BC5C-D64A96AF3D01}" type="slidenum">
               <a:rPr lang="en-US" smtClean="0"/>
@@ -36290,7 +35908,7 @@
           <a:p>
             <a:r>
               <a:rPr lang="en-US" dirty="0" smtClean="0"/>
-              <a:t>7W.</a:t>
+              <a:t>6F.</a:t>
             </a:r>
             <a:fld id="{CA4C0C47-BA92-4669-BC5C-D64A96AF3D01}" type="slidenum">
               <a:rPr lang="en-US" smtClean="0"/>

--- a/spring12/slidesS12/scheduling.pptx
+++ b/spring12/slidesS12/scheduling.pptx
@@ -233,7 +233,7 @@
             <a:fld id="{7E67CB53-8D3C-47BE-A7FA-F662C961B657}" type="datetimeFigureOut">
               <a:rPr lang="en-US" smtClean="0"/>
               <a:pPr/>
-              <a:t>3/12/12</a:t>
+              <a:t>3/14/12</a:t>
             </a:fld>
             <a:endParaRPr lang="en-US"/>
           </a:p>
@@ -400,7 +400,7 @@
             <a:fld id="{EFF6E4C5-D825-46D1-9B47-4B12017997CB}" type="datetimeFigureOut">
               <a:rPr lang="en-US" smtClean="0"/>
               <a:pPr/>
-              <a:t>3/12/12</a:t>
+              <a:t>3/14/12</a:t>
             </a:fld>
             <a:endParaRPr lang="en-US"/>
           </a:p>
@@ -5727,47 +5727,6 @@
       </p:grpSpPr>
       <p:sp>
         <p:nvSpPr>
-          <p:cNvPr id="635913" name="Text Box 9"/>
-          <p:cNvSpPr txBox="1">
-            <a:spLocks noChangeArrowheads="1"/>
-          </p:cNvSpPr>
-          <p:nvPr/>
-        </p:nvSpPr>
-        <p:spPr bwMode="auto">
-          <a:xfrm>
-            <a:off x="1219200" y="5486400"/>
-            <a:ext cx="6583854" cy="707886"/>
-          </a:xfrm>
-          <a:prstGeom prst="rect">
-            <a:avLst/>
-          </a:prstGeom>
-          <a:noFill/>
-          <a:ln w="31750" algn="ctr">
-            <a:noFill/>
-            <a:miter lim="800000"/>
-            <a:headEnd/>
-            <a:tailEnd type="none" w="lg" len="lg"/>
-          </a:ln>
-          <a:effectLst/>
-        </p:spPr>
-        <p:txBody>
-          <a:bodyPr wrap="none">
-            <a:spAutoFit/>
-          </a:bodyPr>
-          <a:lstStyle/>
-          <a:p>
-            <a:pPr marL="742950" indent="-285750" algn="l"/>
-            <a:r>
-              <a:rPr lang="en-US" sz="4000" dirty="0">
-                <a:latin typeface="Comic Sans MS" pitchFamily="66" charset="0"/>
-              </a:rPr>
-              <a:t>remove minimal elements</a:t>
-            </a:r>
-          </a:p>
-        </p:txBody>
-      </p:sp>
-      <p:sp>
-        <p:nvSpPr>
           <p:cNvPr id="635915" name="Rectangle 11"/>
           <p:cNvSpPr>
             <a:spLocks noGrp="1" noChangeArrowheads="1"/>
@@ -6794,6 +6753,47 @@
           </p:style>
         </p:cxnSp>
       </p:grpSp>
+      <p:sp>
+        <p:nvSpPr>
+          <p:cNvPr id="17" name="Text Box 9"/>
+          <p:cNvSpPr txBox="1">
+            <a:spLocks noChangeArrowheads="1"/>
+          </p:cNvSpPr>
+          <p:nvPr/>
+        </p:nvSpPr>
+        <p:spPr bwMode="auto">
+          <a:xfrm>
+            <a:off x="673000" y="5158680"/>
+            <a:ext cx="7807014" cy="835669"/>
+          </a:xfrm>
+          <a:prstGeom prst="rect">
+            <a:avLst/>
+          </a:prstGeom>
+          <a:noFill/>
+          <a:ln w="31750" algn="ctr">
+            <a:noFill/>
+            <a:miter lim="800000"/>
+            <a:headEnd/>
+            <a:tailEnd type="none" w="lg" len="lg"/>
+          </a:ln>
+          <a:effectLst/>
+        </p:spPr>
+        <p:txBody>
+          <a:bodyPr wrap="square">
+            <a:spAutoFit/>
+          </a:bodyPr>
+          <a:lstStyle/>
+          <a:p>
+            <a:pPr marL="742950" indent="-285750" algn="l"/>
+            <a:r>
+              <a:rPr lang="en-US" sz="4800" dirty="0">
+                <a:latin typeface="Comic Sans MS" pitchFamily="66" charset="0"/>
+              </a:rPr>
+              <a:t>remove minimal elements</a:t>
+            </a:r>
+          </a:p>
+        </p:txBody>
+      </p:sp>
     </p:spTree>
   </p:cSld>
   <p:clrMapOvr>
@@ -6907,53 +6907,6 @@
       </p:grpSpPr>
       <p:sp>
         <p:nvSpPr>
-          <p:cNvPr id="636933" name="Text Box 5"/>
-          <p:cNvSpPr txBox="1">
-            <a:spLocks noChangeArrowheads="1"/>
-          </p:cNvSpPr>
-          <p:nvPr/>
-        </p:nvSpPr>
-        <p:spPr bwMode="auto">
-          <a:xfrm>
-            <a:off x="1219200" y="5486400"/>
-            <a:ext cx="7165744" cy="769441"/>
-          </a:xfrm>
-          <a:prstGeom prst="rect">
-            <a:avLst/>
-          </a:prstGeom>
-          <a:noFill/>
-          <a:ln w="31750" algn="ctr">
-            <a:noFill/>
-            <a:miter lim="800000"/>
-            <a:headEnd/>
-            <a:tailEnd type="none" w="lg" len="lg"/>
-          </a:ln>
-          <a:effectLst/>
-        </p:spPr>
-        <p:txBody>
-          <a:bodyPr wrap="none">
-            <a:spAutoFit/>
-          </a:bodyPr>
-          <a:lstStyle/>
-          <a:p>
-            <a:pPr marL="742950" indent="-285750" algn="l"/>
-            <a:r>
-              <a:rPr lang="en-US" sz="4400" dirty="0" smtClean="0">
-                <a:latin typeface="Comic Sans MS" pitchFamily="66" charset="0"/>
-              </a:rPr>
-              <a:t>remove </a:t>
-            </a:r>
-            <a:r>
-              <a:rPr lang="en-US" sz="4400" dirty="0">
-                <a:latin typeface="Comic Sans MS" pitchFamily="66" charset="0"/>
-              </a:rPr>
-              <a:t>minimal elements</a:t>
-            </a:r>
-          </a:p>
-        </p:txBody>
-      </p:sp>
-      <p:sp>
-        <p:nvSpPr>
           <p:cNvPr id="636935" name="Rectangle 7"/>
           <p:cNvSpPr>
             <a:spLocks noGrp="1" noChangeArrowheads="1"/>
@@ -7646,6 +7599,47 @@
               <a:t>11</a:t>
             </a:fld>
             <a:endParaRPr lang="en-US" dirty="0"/>
+          </a:p>
+        </p:txBody>
+      </p:sp>
+      <p:sp>
+        <p:nvSpPr>
+          <p:cNvPr id="7" name="Text Box 9"/>
+          <p:cNvSpPr txBox="1">
+            <a:spLocks noChangeArrowheads="1"/>
+          </p:cNvSpPr>
+          <p:nvPr/>
+        </p:nvSpPr>
+        <p:spPr bwMode="auto">
+          <a:xfrm>
+            <a:off x="673000" y="5158680"/>
+            <a:ext cx="7807014" cy="835669"/>
+          </a:xfrm>
+          <a:prstGeom prst="rect">
+            <a:avLst/>
+          </a:prstGeom>
+          <a:noFill/>
+          <a:ln w="31750" algn="ctr">
+            <a:noFill/>
+            <a:miter lim="800000"/>
+            <a:headEnd/>
+            <a:tailEnd type="none" w="lg" len="lg"/>
+          </a:ln>
+          <a:effectLst/>
+        </p:spPr>
+        <p:txBody>
+          <a:bodyPr wrap="square">
+            <a:spAutoFit/>
+          </a:bodyPr>
+          <a:lstStyle/>
+          <a:p>
+            <a:pPr marL="742950" indent="-285750" algn="l"/>
+            <a:r>
+              <a:rPr lang="en-US" sz="4800" dirty="0">
+                <a:latin typeface="Comic Sans MS" pitchFamily="66" charset="0"/>
+              </a:rPr>
+              <a:t>remove minimal elements</a:t>
+            </a:r>
           </a:p>
         </p:txBody>
       </p:sp>
@@ -9332,9 +9326,18 @@
   <p:clrMapOvr>
     <a:masterClrMapping/>
   </p:clrMapOvr>
-  <p:transition xmlns:p14="http://schemas.microsoft.com/office/powerpoint/2010/main">
-    <p:fade thruBlk="1"/>
-  </p:transition>
+  <mc:AlternateContent xmlns:mc="http://schemas.openxmlformats.org/markup-compatibility/2006">
+    <mc:Choice xmlns:p14="http://schemas.microsoft.com/office/powerpoint/2010/main" Requires="p14">
+      <p:transition spd="med" p14:dur="700">
+        <p:fade/>
+      </p:transition>
+    </mc:Choice>
+    <mc:Fallback>
+      <p:transition xmlns:p14="http://schemas.microsoft.com/office/powerpoint/2010/main" spd="med">
+        <p:fade/>
+      </p:transition>
+    </mc:Fallback>
+  </mc:AlternateContent>
   <p:timing>
     <p:tnLst>
       <p:par>
@@ -11503,14 +11506,21 @@
               <a:t>be taken in </a:t>
             </a:r>
             <a:r>
-              <a:rPr lang="en-US" sz="4000" i="1" dirty="0"/>
+              <a:rPr lang="en-US" sz="4000" dirty="0">
+                <a:solidFill>
+                  <a:srgbClr val="B21EAB"/>
+                </a:solidFill>
+              </a:rPr>
               <a:t>any </a:t>
             </a:r>
             <a:r>
-              <a:rPr lang="en-US" sz="4000" i="1" dirty="0" smtClean="0"/>
+              <a:rPr lang="en-US" sz="4000" dirty="0" smtClean="0">
+                <a:solidFill>
+                  <a:srgbClr val="B21EAB"/>
+                </a:solidFill>
+              </a:rPr>
               <a:t>order</a:t>
             </a:r>
-            <a:endParaRPr lang="en-US" sz="4000" dirty="0" smtClean="0"/>
           </a:p>
           <a:p>
             <a:pPr>
@@ -11554,7 +11564,7 @@
             <a:r>
               <a:rPr lang="en-US" sz="4000" dirty="0" smtClean="0">
                 <a:solidFill>
-                  <a:srgbClr val="FF00FF"/>
+                  <a:srgbClr val="B21EAB"/>
                 </a:solidFill>
               </a:rPr>
               <a:t>incomparable</a:t>
@@ -11809,9 +11819,18 @@
   <p:clrMapOvr>
     <a:masterClrMapping/>
   </p:clrMapOvr>
-  <p:transition xmlns:p14="http://schemas.microsoft.com/office/powerpoint/2010/main">
-    <p:fade thruBlk="1"/>
-  </p:transition>
+  <mc:AlternateContent xmlns:mc="http://schemas.openxmlformats.org/markup-compatibility/2006">
+    <mc:Choice xmlns:p14="http://schemas.microsoft.com/office/powerpoint/2010/main" Requires="p14">
+      <p:transition spd="slow" p14:dur="1100">
+        <p:fade thruBlk="1"/>
+      </p:transition>
+    </mc:Choice>
+    <mc:Fallback>
+      <p:transition xmlns:p14="http://schemas.microsoft.com/office/powerpoint/2010/main" spd="slow">
+        <p:fade thruBlk="1"/>
+      </p:transition>
+    </mc:Fallback>
+  </mc:AlternateContent>
   <p:timing>
     <p:tnLst>
       <p:par>
@@ -14567,7 +14586,7 @@
         <p:spPr bwMode="auto">
           <a:xfrm>
             <a:off x="1142699" y="5036836"/>
-            <a:ext cx="6832320" cy="1015663"/>
+            <a:ext cx="6372132" cy="1015663"/>
           </a:xfrm>
           <a:prstGeom prst="rect">
             <a:avLst/>
@@ -14592,13 +14611,16 @@
               <a:rPr lang="en-US" sz="6000" dirty="0">
                 <a:latin typeface="Comic Sans MS" pitchFamily="66" charset="0"/>
               </a:rPr>
-              <a:t>a </a:t>
-            </a:r>
-            <a:r>
-              <a:rPr lang="en-US" sz="6000" i="1" dirty="0">
-                <a:latin typeface="Comic Sans MS" pitchFamily="66" charset="0"/>
-              </a:rPr>
-              <a:t>topological sort</a:t>
+              <a:t>a</a:t>
+            </a:r>
+            <a:r>
+              <a:rPr lang="en-US" sz="6000" dirty="0">
+                <a:solidFill>
+                  <a:srgbClr val="B21EAB"/>
+                </a:solidFill>
+                <a:latin typeface="Comic Sans MS" pitchFamily="66" charset="0"/>
+              </a:rPr>
+              <a:t> topological sort</a:t>
             </a:r>
           </a:p>
         </p:txBody>
@@ -17587,58 +17609,6 @@
       </p:sp>
       <p:sp>
         <p:nvSpPr>
-          <p:cNvPr id="53" name="AutoShape 19"/>
-          <p:cNvSpPr>
-            <a:spLocks noChangeArrowheads="1"/>
-          </p:cNvSpPr>
-          <p:nvPr/>
-        </p:nvSpPr>
-        <p:spPr bwMode="auto">
-          <a:xfrm>
-            <a:off x="4343400" y="2468563"/>
-            <a:ext cx="762000" cy="381000"/>
-          </a:xfrm>
-          <a:prstGeom prst="roundRect">
-            <a:avLst>
-              <a:gd name="adj" fmla="val 16667"/>
-            </a:avLst>
-          </a:prstGeom>
-          <a:solidFill>
-            <a:srgbClr val="99CCFF"/>
-          </a:solidFill>
-          <a:ln w="28575">
-            <a:solidFill>
-              <a:schemeClr val="tx1"/>
-            </a:solidFill>
-            <a:round/>
-            <a:headEnd/>
-            <a:tailEnd type="none" w="lg" len="lg"/>
-          </a:ln>
-          <a:effectLst/>
-        </p:spPr>
-        <p:txBody>
-          <a:bodyPr wrap="none" anchor="ctr"/>
-          <a:lstStyle/>
-          <a:p>
-            <a:pPr>
-              <a:spcBef>
-                <a:spcPct val="0"/>
-              </a:spcBef>
-            </a:pPr>
-            <a:r>
-              <a:rPr lang="en-US" sz="2000" dirty="0" smtClean="0">
-                <a:latin typeface="Comic Sans MS" pitchFamily="66" charset="0"/>
-              </a:rPr>
-              <a:t>6.002</a:t>
-            </a:r>
-            <a:endParaRPr lang="en-US" sz="2000" dirty="0">
-              <a:latin typeface="Comic Sans MS" pitchFamily="66" charset="0"/>
-            </a:endParaRPr>
-          </a:p>
-        </p:txBody>
-      </p:sp>
-      <p:sp>
-        <p:nvSpPr>
           <p:cNvPr id="54" name="AutoShape 20"/>
           <p:cNvSpPr>
             <a:spLocks noChangeArrowheads="1"/>
@@ -17682,58 +17652,6 @@
                 <a:latin typeface="Comic Sans MS" pitchFamily="66" charset="0"/>
               </a:rPr>
               <a:t>6.004</a:t>
-            </a:r>
-            <a:endParaRPr lang="en-US" sz="2000" dirty="0">
-              <a:latin typeface="Comic Sans MS" pitchFamily="66" charset="0"/>
-            </a:endParaRPr>
-          </a:p>
-        </p:txBody>
-      </p:sp>
-      <p:sp>
-        <p:nvSpPr>
-          <p:cNvPr id="55" name="AutoShape 21"/>
-          <p:cNvSpPr>
-            <a:spLocks noChangeArrowheads="1"/>
-          </p:cNvSpPr>
-          <p:nvPr/>
-        </p:nvSpPr>
-        <p:spPr bwMode="auto">
-          <a:xfrm>
-            <a:off x="4343400" y="4357688"/>
-            <a:ext cx="762000" cy="381000"/>
-          </a:xfrm>
-          <a:prstGeom prst="roundRect">
-            <a:avLst>
-              <a:gd name="adj" fmla="val 16667"/>
-            </a:avLst>
-          </a:prstGeom>
-          <a:solidFill>
-            <a:srgbClr val="008000"/>
-          </a:solidFill>
-          <a:ln w="28575">
-            <a:solidFill>
-              <a:schemeClr val="tx1"/>
-            </a:solidFill>
-            <a:round/>
-            <a:headEnd/>
-            <a:tailEnd type="none" w="lg" len="lg"/>
-          </a:ln>
-          <a:effectLst/>
-        </p:spPr>
-        <p:txBody>
-          <a:bodyPr wrap="none" anchor="ctr"/>
-          <a:lstStyle/>
-          <a:p>
-            <a:pPr>
-              <a:spcBef>
-                <a:spcPct val="0"/>
-              </a:spcBef>
-            </a:pPr>
-            <a:r>
-              <a:rPr lang="en-US" sz="2000" dirty="0" smtClean="0">
-                <a:latin typeface="Comic Sans MS" pitchFamily="66" charset="0"/>
-              </a:rPr>
-              <a:t>6.033</a:t>
             </a:r>
             <a:endParaRPr lang="en-US" sz="2000" dirty="0">
               <a:latin typeface="Comic Sans MS" pitchFamily="66" charset="0"/>
@@ -17929,7 +17847,7 @@
           <a:graphicData uri="http://schemas.openxmlformats.org/presentationml/2006/ole">
             <mc:AlternateContent xmlns:mc="http://schemas.openxmlformats.org/markup-compatibility/2006">
               <mc:Choice xmlns:v="urn:schemas-microsoft-com:vml" Requires="v">
-                <p:oleObj spid="_x0000_s103488" name="Equation" r:id="rId4" imgW="76200" imgH="165100" progId="Equation.DSMT4">
+                <p:oleObj spid="_x0000_s103497" name="Equation" r:id="rId4" imgW="76200" imgH="165100" progId="Equation.DSMT4">
                   <p:embed/>
                 </p:oleObj>
               </mc:Choice>
@@ -17999,7 +17917,7 @@
           <a:graphicData uri="http://schemas.openxmlformats.org/presentationml/2006/ole">
             <mc:AlternateContent xmlns:mc="http://schemas.openxmlformats.org/markup-compatibility/2006">
               <mc:Choice xmlns:v="urn:schemas-microsoft-com:vml" Requires="v">
-                <p:oleObj spid="_x0000_s103489" name="Equation" r:id="rId6" imgW="76200" imgH="165100" progId="Equation.DSMT4">
+                <p:oleObj spid="_x0000_s103498" name="Equation" r:id="rId6" imgW="76200" imgH="165100" progId="Equation.DSMT4">
                   <p:embed/>
                 </p:oleObj>
               </mc:Choice>
@@ -18053,205 +17971,133 @@
           </a:graphicData>
         </a:graphic>
       </p:graphicFrame>
+      <p:sp>
+        <p:nvSpPr>
+          <p:cNvPr id="53" name="AutoShape 19"/>
+          <p:cNvSpPr>
+            <a:spLocks noChangeArrowheads="1"/>
+          </p:cNvSpPr>
+          <p:nvPr/>
+        </p:nvSpPr>
+        <p:spPr bwMode="auto">
+          <a:xfrm>
+            <a:off x="4343400" y="2468563"/>
+            <a:ext cx="762000" cy="381000"/>
+          </a:xfrm>
+          <a:prstGeom prst="roundRect">
+            <a:avLst>
+              <a:gd name="adj" fmla="val 16667"/>
+            </a:avLst>
+          </a:prstGeom>
+          <a:solidFill>
+            <a:srgbClr val="99CCFF"/>
+          </a:solidFill>
+          <a:ln w="28575">
+            <a:solidFill>
+              <a:schemeClr val="tx1"/>
+            </a:solidFill>
+            <a:round/>
+            <a:headEnd/>
+            <a:tailEnd type="none" w="lg" len="lg"/>
+          </a:ln>
+          <a:effectLst/>
+        </p:spPr>
+        <p:txBody>
+          <a:bodyPr wrap="none" anchor="ctr"/>
+          <a:lstStyle/>
+          <a:p>
+            <a:pPr>
+              <a:spcBef>
+                <a:spcPct val="0"/>
+              </a:spcBef>
+            </a:pPr>
+            <a:r>
+              <a:rPr lang="en-US" sz="2000" dirty="0" smtClean="0">
+                <a:latin typeface="Comic Sans MS" pitchFamily="66" charset="0"/>
+              </a:rPr>
+              <a:t>6.002</a:t>
+            </a:r>
+            <a:endParaRPr lang="en-US" sz="2000" dirty="0">
+              <a:latin typeface="Comic Sans MS" pitchFamily="66" charset="0"/>
+            </a:endParaRPr>
+          </a:p>
+        </p:txBody>
+      </p:sp>
+      <p:sp>
+        <p:nvSpPr>
+          <p:cNvPr id="55" name="AutoShape 21"/>
+          <p:cNvSpPr>
+            <a:spLocks noChangeArrowheads="1"/>
+          </p:cNvSpPr>
+          <p:nvPr/>
+        </p:nvSpPr>
+        <p:spPr bwMode="auto">
+          <a:xfrm>
+            <a:off x="4343400" y="4357688"/>
+            <a:ext cx="762000" cy="381000"/>
+          </a:xfrm>
+          <a:prstGeom prst="roundRect">
+            <a:avLst>
+              <a:gd name="adj" fmla="val 16667"/>
+            </a:avLst>
+          </a:prstGeom>
+          <a:solidFill>
+            <a:srgbClr val="008000"/>
+          </a:solidFill>
+          <a:ln w="28575">
+            <a:solidFill>
+              <a:schemeClr val="tx1"/>
+            </a:solidFill>
+            <a:round/>
+            <a:headEnd/>
+            <a:tailEnd type="none" w="lg" len="lg"/>
+          </a:ln>
+          <a:effectLst/>
+        </p:spPr>
+        <p:txBody>
+          <a:bodyPr wrap="none" anchor="ctr"/>
+          <a:lstStyle/>
+          <a:p>
+            <a:pPr>
+              <a:spcBef>
+                <a:spcPct val="0"/>
+              </a:spcBef>
+            </a:pPr>
+            <a:r>
+              <a:rPr lang="en-US" sz="2000" dirty="0" smtClean="0">
+                <a:latin typeface="Comic Sans MS" pitchFamily="66" charset="0"/>
+              </a:rPr>
+              <a:t>6.033</a:t>
+            </a:r>
+            <a:endParaRPr lang="en-US" sz="2000" dirty="0">
+              <a:latin typeface="Comic Sans MS" pitchFamily="66" charset="0"/>
+            </a:endParaRPr>
+          </a:p>
+        </p:txBody>
+      </p:sp>
     </p:spTree>
   </p:cSld>
   <p:clrMapOvr>
     <a:masterClrMapping/>
   </p:clrMapOvr>
-  <p:transition xmlns:p14="http://schemas.microsoft.com/office/powerpoint/2010/main" spd="slow">
-    <p:fade/>
-  </p:transition>
+  <mc:AlternateContent xmlns:mc="http://schemas.openxmlformats.org/markup-compatibility/2006">
+    <mc:Choice xmlns:p14="http://schemas.microsoft.com/office/powerpoint/2010/main" Requires="p14">
+      <p:transition spd="med" p14:dur="600">
+        <p:fade/>
+      </p:transition>
+    </mc:Choice>
+    <mc:Fallback>
+      <p:transition xmlns:p14="http://schemas.microsoft.com/office/powerpoint/2010/main" spd="med">
+        <p:fade/>
+      </p:transition>
+    </mc:Fallback>
+  </mc:AlternateContent>
   <p:timing>
     <p:tnLst>
       <p:par>
-        <p:cTn xmlns:p14="http://schemas.microsoft.com/office/powerpoint/2010/main" id="1" dur="indefinite" restart="never" nodeType="tmRoot">
-          <p:childTnLst>
-            <p:seq concurrent="1" nextAc="seek">
-              <p:cTn id="2" dur="indefinite" nodeType="mainSeq">
-                <p:childTnLst>
-                  <p:par>
-                    <p:cTn id="3" fill="hold">
-                      <p:stCondLst>
-                        <p:cond delay="indefinite"/>
-                      </p:stCondLst>
-                      <p:childTnLst>
-                        <p:par>
-                          <p:cTn id="4" fill="hold">
-                            <p:stCondLst>
-                              <p:cond delay="0"/>
-                            </p:stCondLst>
-                            <p:childTnLst>
-                              <p:par>
-                                <p:cTn id="5" presetID="10" presetClass="exit" presetSubtype="0" fill="hold" grpId="0" nodeType="clickEffect">
-                                  <p:stCondLst>
-                                    <p:cond delay="0"/>
-                                  </p:stCondLst>
-                                  <p:childTnLst>
-                                    <p:animEffect transition="out" filter="fade">
-                                      <p:cBhvr>
-                                        <p:cTn id="6" dur="1000"/>
-                                        <p:tgtEl>
-                                          <p:spTgt spid="53"/>
-                                        </p:tgtEl>
-                                      </p:cBhvr>
-                                    </p:animEffect>
-                                    <p:set>
-                                      <p:cBhvr>
-                                        <p:cTn id="7" dur="1" fill="hold">
-                                          <p:stCondLst>
-                                            <p:cond delay="999"/>
-                                          </p:stCondLst>
-                                        </p:cTn>
-                                        <p:tgtEl>
-                                          <p:spTgt spid="53"/>
-                                        </p:tgtEl>
-                                        <p:attrNameLst>
-                                          <p:attrName>style.visibility</p:attrName>
-                                        </p:attrNameLst>
-                                      </p:cBhvr>
-                                      <p:to>
-                                        <p:strVal val="hidden"/>
-                                      </p:to>
-                                    </p:set>
-                                  </p:childTnLst>
-                                </p:cTn>
-                              </p:par>
-                              <p:par>
-                                <p:cTn id="8" presetID="10" presetClass="entr" presetSubtype="0" fill="hold" nodeType="withEffect">
-                                  <p:stCondLst>
-                                    <p:cond delay="0"/>
-                                  </p:stCondLst>
-                                  <p:childTnLst>
-                                    <p:set>
-                                      <p:cBhvr>
-                                        <p:cTn id="9" dur="1" fill="hold">
-                                          <p:stCondLst>
-                                            <p:cond delay="0"/>
-                                          </p:stCondLst>
-                                        </p:cTn>
-                                        <p:tgtEl>
-                                          <p:spTgt spid="34"/>
-                                        </p:tgtEl>
-                                        <p:attrNameLst>
-                                          <p:attrName>style.visibility</p:attrName>
-                                        </p:attrNameLst>
-                                      </p:cBhvr>
-                                      <p:to>
-                                        <p:strVal val="visible"/>
-                                      </p:to>
-                                    </p:set>
-                                    <p:animEffect transition="in" filter="fade">
-                                      <p:cBhvr>
-                                        <p:cTn id="10" dur="1000"/>
-                                        <p:tgtEl>
-                                          <p:spTgt spid="34"/>
-                                        </p:tgtEl>
-                                      </p:cBhvr>
-                                    </p:animEffect>
-                                  </p:childTnLst>
-                                </p:cTn>
-                              </p:par>
-                              <p:par>
-                                <p:cTn id="11" presetID="10" presetClass="exit" presetSubtype="0" fill="hold" grpId="0" nodeType="withEffect">
-                                  <p:stCondLst>
-                                    <p:cond delay="0"/>
-                                  </p:stCondLst>
-                                  <p:childTnLst>
-                                    <p:animEffect transition="out" filter="fade">
-                                      <p:cBhvr>
-                                        <p:cTn id="12" dur="1000"/>
-                                        <p:tgtEl>
-                                          <p:spTgt spid="55"/>
-                                        </p:tgtEl>
-                                      </p:cBhvr>
-                                    </p:animEffect>
-                                    <p:set>
-                                      <p:cBhvr>
-                                        <p:cTn id="13" dur="1" fill="hold">
-                                          <p:stCondLst>
-                                            <p:cond delay="999"/>
-                                          </p:stCondLst>
-                                        </p:cTn>
-                                        <p:tgtEl>
-                                          <p:spTgt spid="55"/>
-                                        </p:tgtEl>
-                                        <p:attrNameLst>
-                                          <p:attrName>style.visibility</p:attrName>
-                                        </p:attrNameLst>
-                                      </p:cBhvr>
-                                      <p:to>
-                                        <p:strVal val="hidden"/>
-                                      </p:to>
-                                    </p:set>
-                                  </p:childTnLst>
-                                </p:cTn>
-                              </p:par>
-                              <p:par>
-                                <p:cTn id="14" presetID="10" presetClass="entr" presetSubtype="0" fill="hold" nodeType="withEffect">
-                                  <p:stCondLst>
-                                    <p:cond delay="0"/>
-                                  </p:stCondLst>
-                                  <p:childTnLst>
-                                    <p:set>
-                                      <p:cBhvr>
-                                        <p:cTn id="15" dur="1" fill="hold">
-                                          <p:stCondLst>
-                                            <p:cond delay="0"/>
-                                          </p:stCondLst>
-                                        </p:cTn>
-                                        <p:tgtEl>
-                                          <p:spTgt spid="103427"/>
-                                        </p:tgtEl>
-                                        <p:attrNameLst>
-                                          <p:attrName>style.visibility</p:attrName>
-                                        </p:attrNameLst>
-                                      </p:cBhvr>
-                                      <p:to>
-                                        <p:strVal val="visible"/>
-                                      </p:to>
-                                    </p:set>
-                                    <p:animEffect transition="in" filter="fade">
-                                      <p:cBhvr>
-                                        <p:cTn id="16" dur="1000"/>
-                                        <p:tgtEl>
-                                          <p:spTgt spid="103427"/>
-                                        </p:tgtEl>
-                                      </p:cBhvr>
-                                    </p:animEffect>
-                                  </p:childTnLst>
-                                </p:cTn>
-                              </p:par>
-                            </p:childTnLst>
-                          </p:cTn>
-                        </p:par>
-                      </p:childTnLst>
-                    </p:cTn>
-                  </p:par>
-                </p:childTnLst>
-              </p:cTn>
-              <p:prevCondLst>
-                <p:cond evt="onPrev" delay="0">
-                  <p:tgtEl>
-                    <p:sldTgt/>
-                  </p:tgtEl>
-                </p:cond>
-              </p:prevCondLst>
-              <p:nextCondLst>
-                <p:cond evt="onNext" delay="0">
-                  <p:tgtEl>
-                    <p:sldTgt/>
-                  </p:tgtEl>
-                </p:cond>
-              </p:nextCondLst>
-            </p:seq>
-          </p:childTnLst>
-        </p:cTn>
+        <p:cTn xmlns:p14="http://schemas.microsoft.com/office/powerpoint/2010/main" id="1" dur="indefinite" restart="never" nodeType="tmRoot"/>
       </p:par>
     </p:tnLst>
-    <p:bldLst>
-      <p:bldP spid="53" grpId="0" animBg="1"/>
-      <p:bldP spid="55" grpId="0" animBg="1"/>
-    </p:bldLst>
   </p:timing>
 </p:sld>
 </file>
@@ -18668,7 +18514,7 @@
             <a:graphicData uri="http://schemas.openxmlformats.org/presentationml/2006/ole">
               <mc:AlternateContent xmlns:mc="http://schemas.openxmlformats.org/markup-compatibility/2006">
                 <mc:Choice xmlns:v="urn:schemas-microsoft-com:vml" Requires="v">
-                  <p:oleObj spid="_x0000_s1049" name="Equation" r:id="rId4" imgW="215900" imgH="990600" progId="Equation.DSMT4">
+                  <p:oleObj spid="_x0000_s1052" name="Equation" r:id="rId4" imgW="215900" imgH="990600" progId="Equation.DSMT4">
                     <p:embed/>
                   </p:oleObj>
                 </mc:Choice>
@@ -26649,15 +26495,15 @@
       </p:sp>
       <p:grpSp>
         <p:nvGrpSpPr>
-          <p:cNvPr id="12" name="Group 11"/>
+          <p:cNvPr id="2" name="Group 1"/>
           <p:cNvGrpSpPr/>
           <p:nvPr/>
         </p:nvGrpSpPr>
         <p:grpSpPr>
           <a:xfrm>
-            <a:off x="3225421" y="5314824"/>
+            <a:off x="2255916" y="5410409"/>
             <a:ext cx="4748981" cy="1100570"/>
-            <a:chOff x="2424049" y="4534000"/>
+            <a:chOff x="2255916" y="5410409"/>
             <a:chExt cx="4748981" cy="1100570"/>
           </a:xfrm>
         </p:grpSpPr>
@@ -26669,13 +26515,13 @@
           </p:nvSpPr>
           <p:spPr>
             <a:xfrm rot="5400000">
-              <a:off x="4537985" y="2420064"/>
+              <a:off x="4369852" y="3296473"/>
               <a:ext cx="521110" cy="4748981"/>
             </a:xfrm>
             <a:prstGeom prst="rightBrace">
               <a:avLst/>
             </a:prstGeom>
-            <a:ln w="25400">
+            <a:ln w="47625">
               <a:solidFill>
                 <a:schemeClr val="tx1"/>
               </a:solidFill>
@@ -26713,13 +26559,16 @@
           </p:nvSpPr>
           <p:spPr>
             <a:xfrm>
-              <a:off x="3401297" y="5049795"/>
+              <a:off x="3233164" y="5926204"/>
               <a:ext cx="3087329" cy="584775"/>
             </a:xfrm>
             <a:prstGeom prst="rect">
               <a:avLst/>
             </a:prstGeom>
             <a:noFill/>
+            <a:ln w="47625">
+              <a:noFill/>
+            </a:ln>
           </p:spPr>
           <p:txBody>
             <a:bodyPr wrap="square" rtlCol="0">
@@ -27091,7 +26940,7 @@
                             </p:stCondLst>
                             <p:childTnLst>
                               <p:par>
-                                <p:cTn id="13" presetID="1" presetClass="entr" presetSubtype="0" fill="hold" grpId="0" nodeType="clickEffect">
+                                <p:cTn id="13" presetID="9" presetClass="entr" presetSubtype="0" fill="hold" grpId="0" nodeType="clickEffect">
                                   <p:stCondLst>
                                     <p:cond delay="0"/>
                                   </p:stCondLst>
@@ -27118,6 +26967,18 @@
                                         <p:strVal val="visible"/>
                                       </p:to>
                                     </p:set>
+                                    <p:animEffect transition="in" filter="dissolve">
+                                      <p:cBhvr>
+                                        <p:cTn id="15" dur="500"/>
+                                        <p:tgtEl>
+                                          <p:spTgt spid="759811">
+                                            <p:txEl>
+                                              <p:pRg st="1" end="1"/>
+                                            </p:txEl>
+                                          </p:spTgt>
+                                        </p:tgtEl>
+                                      </p:cBhvr>
+                                    </p:animEffect>
                                   </p:childTnLst>
                                 </p:cTn>
                               </p:par>
@@ -27128,26 +26989,26 @@
                     </p:cTn>
                   </p:par>
                   <p:par>
-                    <p:cTn id="15" fill="hold">
+                    <p:cTn id="16" fill="hold">
                       <p:stCondLst>
                         <p:cond delay="indefinite"/>
                       </p:stCondLst>
                       <p:childTnLst>
                         <p:par>
-                          <p:cTn id="16" fill="hold">
+                          <p:cTn id="17" fill="hold">
                             <p:stCondLst>
                               <p:cond delay="0"/>
                             </p:stCondLst>
                             <p:childTnLst>
                               <p:par>
-                                <p:cTn id="17" presetID="1" presetClass="entr" presetSubtype="0" fill="hold" grpId="0" nodeType="clickEffect">
+                                <p:cTn id="18" presetID="9" presetClass="entr" presetSubtype="0" fill="hold" grpId="0" nodeType="clickEffect">
                                   <p:stCondLst>
                                     <p:cond delay="0"/>
                                   </p:stCondLst>
                                   <p:childTnLst>
                                     <p:set>
                                       <p:cBhvr>
-                                        <p:cTn id="18" dur="1" fill="hold">
+                                        <p:cTn id="19" dur="1" fill="hold">
                                           <p:stCondLst>
                                             <p:cond delay="0"/>
                                           </p:stCondLst>
@@ -27167,6 +27028,18 @@
                                         <p:strVal val="visible"/>
                                       </p:to>
                                     </p:set>
+                                    <p:animEffect transition="in" filter="dissolve">
+                                      <p:cBhvr>
+                                        <p:cTn id="20" dur="500"/>
+                                        <p:tgtEl>
+                                          <p:spTgt spid="759811">
+                                            <p:txEl>
+                                              <p:pRg st="2" end="2"/>
+                                            </p:txEl>
+                                          </p:spTgt>
+                                        </p:tgtEl>
+                                      </p:cBhvr>
+                                    </p:animEffect>
                                   </p:childTnLst>
                                 </p:cTn>
                               </p:par>
@@ -27177,26 +27050,26 @@
                     </p:cTn>
                   </p:par>
                   <p:par>
-                    <p:cTn id="19" fill="hold">
+                    <p:cTn id="21" fill="hold">
                       <p:stCondLst>
                         <p:cond delay="indefinite"/>
                       </p:stCondLst>
                       <p:childTnLst>
                         <p:par>
-                          <p:cTn id="20" fill="hold">
+                          <p:cTn id="22" fill="hold">
                             <p:stCondLst>
                               <p:cond delay="0"/>
                             </p:stCondLst>
                             <p:childTnLst>
                               <p:par>
-                                <p:cTn id="21" presetID="1" presetClass="entr" presetSubtype="0" fill="hold" grpId="0" nodeType="clickEffect">
+                                <p:cTn id="23" presetID="9" presetClass="entr" presetSubtype="0" fill="hold" grpId="0" nodeType="clickEffect">
                                   <p:stCondLst>
                                     <p:cond delay="0"/>
                                   </p:stCondLst>
                                   <p:childTnLst>
                                     <p:set>
                                       <p:cBhvr>
-                                        <p:cTn id="22" dur="1" fill="hold">
+                                        <p:cTn id="24" dur="1" fill="hold">
                                           <p:stCondLst>
                                             <p:cond delay="0"/>
                                           </p:stCondLst>
@@ -27216,6 +27089,18 @@
                                         <p:strVal val="visible"/>
                                       </p:to>
                                     </p:set>
+                                    <p:animEffect transition="in" filter="dissolve">
+                                      <p:cBhvr>
+                                        <p:cTn id="25" dur="500"/>
+                                        <p:tgtEl>
+                                          <p:spTgt spid="759811">
+                                            <p:txEl>
+                                              <p:pRg st="3" end="3"/>
+                                            </p:txEl>
+                                          </p:spTgt>
+                                        </p:tgtEl>
+                                      </p:cBhvr>
+                                    </p:animEffect>
                                   </p:childTnLst>
                                 </p:cTn>
                               </p:par>
@@ -27223,20 +27108,20 @@
                           </p:cTn>
                         </p:par>
                         <p:par>
-                          <p:cTn id="23" fill="hold">
+                          <p:cTn id="26" fill="hold">
                             <p:stCondLst>
-                              <p:cond delay="0"/>
+                              <p:cond delay="500"/>
                             </p:stCondLst>
                             <p:childTnLst>
                               <p:par>
-                                <p:cTn id="24" presetID="9" presetClass="entr" presetSubtype="0" fill="hold" grpId="0" nodeType="afterEffect">
+                                <p:cTn id="27" presetID="9" presetClass="entr" presetSubtype="0" fill="hold" grpId="0" nodeType="afterEffect">
                                   <p:stCondLst>
                                     <p:cond delay="0"/>
                                   </p:stCondLst>
                                   <p:childTnLst>
                                     <p:set>
                                       <p:cBhvr>
-                                        <p:cTn id="25" dur="1" fill="hold">
+                                        <p:cTn id="28" dur="1" fill="hold">
                                           <p:stCondLst>
                                             <p:cond delay="0"/>
                                           </p:stCondLst>
@@ -27254,7 +27139,7 @@
                                     </p:set>
                                     <p:animEffect transition="in" filter="dissolve">
                                       <p:cBhvr>
-                                        <p:cTn id="26" dur="1000"/>
+                                        <p:cTn id="29" dur="1000"/>
                                         <p:tgtEl>
                                           <p:spTgt spid="17"/>
                                         </p:tgtEl>
@@ -27270,32 +27155,32 @@
                     </p:cTn>
                   </p:par>
                   <p:par>
-                    <p:cTn id="27" fill="hold">
+                    <p:cTn id="30" fill="hold">
                       <p:stCondLst>
                         <p:cond delay="indefinite"/>
                       </p:stCondLst>
                       <p:childTnLst>
                         <p:par>
-                          <p:cTn id="28" fill="hold">
+                          <p:cTn id="31" fill="hold">
                             <p:stCondLst>
                               <p:cond delay="0"/>
                             </p:stCondLst>
                             <p:childTnLst>
                               <p:par>
-                                <p:cTn id="29" presetID="1" presetClass="entr" presetSubtype="0" fill="hold" nodeType="clickEffect">
+                                <p:cTn id="32" presetID="2" presetClass="entr" presetSubtype="4" fill="hold" nodeType="clickEffect">
                                   <p:stCondLst>
                                     <p:cond delay="0"/>
                                   </p:stCondLst>
                                   <p:childTnLst>
                                     <p:set>
                                       <p:cBhvr>
-                                        <p:cTn id="30" dur="1" fill="hold">
+                                        <p:cTn id="33" dur="1" fill="hold">
                                           <p:stCondLst>
                                             <p:cond delay="0"/>
                                           </p:stCondLst>
                                         </p:cTn>
                                         <p:tgtEl>
-                                          <p:spTgt spid="12"/>
+                                          <p:spTgt spid="2"/>
                                         </p:tgtEl>
                                         <p:attrNameLst>
                                           <p:attrName>style.visibility</p:attrName>
@@ -27305,6 +27190,52 @@
                                         <p:strVal val="visible"/>
                                       </p:to>
                                     </p:set>
+                                    <p:anim calcmode="lin" valueType="num">
+                                      <p:cBhvr additive="base">
+                                        <p:cTn id="34" dur="500" fill="hold"/>
+                                        <p:tgtEl>
+                                          <p:spTgt spid="2"/>
+                                        </p:tgtEl>
+                                        <p:attrNameLst>
+                                          <p:attrName>ppt_x</p:attrName>
+                                        </p:attrNameLst>
+                                      </p:cBhvr>
+                                      <p:tavLst>
+                                        <p:tav tm="0">
+                                          <p:val>
+                                            <p:strVal val="#ppt_x"/>
+                                          </p:val>
+                                        </p:tav>
+                                        <p:tav tm="100000">
+                                          <p:val>
+                                            <p:strVal val="#ppt_x"/>
+                                          </p:val>
+                                        </p:tav>
+                                      </p:tavLst>
+                                    </p:anim>
+                                    <p:anim calcmode="lin" valueType="num">
+                                      <p:cBhvr additive="base">
+                                        <p:cTn id="35" dur="500" fill="hold"/>
+                                        <p:tgtEl>
+                                          <p:spTgt spid="2"/>
+                                        </p:tgtEl>
+                                        <p:attrNameLst>
+                                          <p:attrName>ppt_y</p:attrName>
+                                        </p:attrNameLst>
+                                      </p:cBhvr>
+                                      <p:tavLst>
+                                        <p:tav tm="0">
+                                          <p:val>
+                                            <p:strVal val="1+#ppt_h/2"/>
+                                          </p:val>
+                                        </p:tav>
+                                        <p:tav tm="100000">
+                                          <p:val>
+                                            <p:strVal val="#ppt_y"/>
+                                          </p:val>
+                                        </p:tav>
+                                      </p:tavLst>
+                                    </p:anim>
                                   </p:childTnLst>
                                 </p:cTn>
                               </p:par>
@@ -28356,7 +28287,7 @@
             <a:r>
               <a:rPr lang="en-US" sz="3200" dirty="0" smtClean="0">
                 <a:solidFill>
-                  <a:srgbClr val="FF0000"/>
+                  <a:srgbClr val="0000FF"/>
                 </a:solidFill>
               </a:rPr>
               <a:t>3</a:t>
@@ -28474,7 +28405,11 @@
               <a:t>of </a:t>
             </a:r>
             <a:r>
-              <a:rPr lang="en-US" sz="4400" i="1" dirty="0"/>
+              <a:rPr lang="en-US" sz="4400" dirty="0">
+                <a:solidFill>
+                  <a:srgbClr val="B21EAB"/>
+                </a:solidFill>
+              </a:rPr>
               <a:t>some</a:t>
             </a:r>
             <a:r>
@@ -28545,66 +28480,53 @@
       </p:sp>
       <p:graphicFrame>
         <p:nvGraphicFramePr>
-          <p:cNvPr id="5" name="Object 4"/>
+          <p:cNvPr id="2" name="Object 1"/>
           <p:cNvGraphicFramePr>
             <a:graphicFrameLocks noChangeAspect="1"/>
           </p:cNvGraphicFramePr>
-          <p:nvPr/>
+          <p:nvPr>
+            <p:extLst>
+              <p:ext uri="{D42A27DB-BD31-4B8C-83A1-F6EECF244321}">
+                <p14:modId xmlns:p14="http://schemas.microsoft.com/office/powerpoint/2010/main" val="596590017"/>
+              </p:ext>
+            </p:extLst>
+          </p:nvPr>
         </p:nvGraphicFramePr>
         <p:xfrm>
-          <a:off x="1856783" y="4039208"/>
-          <a:ext cx="5242038" cy="2190702"/>
+          <a:off x="1655077" y="3966931"/>
+          <a:ext cx="5857885" cy="2273209"/>
         </p:xfrm>
         <a:graphic>
           <a:graphicData uri="http://schemas.openxmlformats.org/presentationml/2006/ole">
             <mc:AlternateContent xmlns:mc="http://schemas.openxmlformats.org/markup-compatibility/2006">
               <mc:Choice xmlns:v="urn:schemas-microsoft-com:vml" Requires="v">
-                <p:oleObj spid="_x0000_s80929" name="Equation" r:id="rId4" imgW="850900" imgH="355600" progId="Equation.DSMT4">
+                <p:oleObj spid="_x0000_s80933" name="Equation" r:id="rId4" imgW="850900" imgH="330200" progId="Equation.DSMT4">
                   <p:embed/>
                 </p:oleObj>
               </mc:Choice>
               <mc:Fallback>
-                <p:oleObj name="Equation" r:id="rId4" imgW="850900" imgH="355600" progId="Equation.DSMT4">
+                <p:oleObj name="Equation" r:id="rId4" imgW="850900" imgH="330200" progId="Equation.DSMT4">
                   <p:embed/>
                   <p:pic>
                     <p:nvPicPr>
-                      <p:cNvPr id="0" name="Picture 2"/>
-                      <p:cNvPicPr>
-                        <a:picLocks noChangeAspect="1" noChangeArrowheads="1"/>
-                      </p:cNvPicPr>
+                      <p:cNvPr id="0" name=""/>
+                      <p:cNvPicPr/>
                       <p:nvPr/>
                     </p:nvPicPr>
                     <p:blipFill>
-                      <a:blip r:embed="rId5">
-                        <a:extLst>
-                          <a:ext uri="{28A0092B-C50C-407E-A947-70E740481C1C}">
-                            <a14:useLocalDpi xmlns:a14="http://schemas.microsoft.com/office/drawing/2010/main" val="0"/>
-                          </a:ext>
-                        </a:extLst>
-                      </a:blip>
-                      <a:srcRect/>
+                      <a:blip r:embed="rId5"/>
                       <a:stretch>
                         <a:fillRect/>
                       </a:stretch>
                     </p:blipFill>
-                    <p:spPr bwMode="auto">
+                    <p:spPr>
                       <a:xfrm>
-                        <a:off x="1856783" y="4039208"/>
-                        <a:ext cx="5242038" cy="2190702"/>
+                        <a:off x="1655077" y="3966931"/>
+                        <a:ext cx="5857885" cy="2273209"/>
                       </a:xfrm>
                       <a:prstGeom prst="rect">
                         <a:avLst/>
                       </a:prstGeom>
-                      <a:noFill/>
-                      <a:extLst>
-                        <a:ext uri="{909E8E84-426E-40dd-AFC4-6F175D3DCCD1}">
-                          <a14:hiddenFill xmlns:a14="http://schemas.microsoft.com/office/drawing/2010/main">
-                            <a:solidFill>
-                              <a:srgbClr val="FFFFFF"/>
-                            </a:solidFill>
-                          </a14:hiddenFill>
-                        </a:ext>
-                      </a:extLst>
                     </p:spPr>
                   </p:pic>
                 </p:oleObj>
@@ -28640,7 +28562,7 @@
                             </p:stCondLst>
                             <p:childTnLst>
                               <p:par>
-                                <p:cTn id="5" presetID="1" presetClass="entr" presetSubtype="0" fill="hold" nodeType="clickEffect">
+                                <p:cTn id="5" presetID="9" presetClass="entr" presetSubtype="0" fill="hold" nodeType="clickEffect">
                                   <p:stCondLst>
                                     <p:cond delay="0"/>
                                   </p:stCondLst>
@@ -28667,18 +28589,30 @@
                                         <p:strVal val="visible"/>
                                       </p:to>
                                     </p:set>
+                                    <p:animEffect transition="in" filter="dissolve">
+                                      <p:cBhvr>
+                                        <p:cTn id="7" dur="500"/>
+                                        <p:tgtEl>
+                                          <p:spTgt spid="657411">
+                                            <p:txEl>
+                                              <p:pRg st="0" end="0"/>
+                                            </p:txEl>
+                                          </p:spTgt>
+                                        </p:tgtEl>
+                                      </p:cBhvr>
+                                    </p:animEffect>
                                   </p:childTnLst>
                                 </p:cTn>
                               </p:par>
                               <p:par>
-                                <p:cTn id="7" presetID="1" presetClass="entr" presetSubtype="0" fill="hold" nodeType="withEffect">
+                                <p:cTn id="8" presetID="9" presetClass="entr" presetSubtype="0" fill="hold" nodeType="withEffect">
                                   <p:stCondLst>
                                     <p:cond delay="0"/>
                                   </p:stCondLst>
                                   <p:childTnLst>
                                     <p:set>
                                       <p:cBhvr>
-                                        <p:cTn id="8" dur="1" fill="hold">
+                                        <p:cTn id="9" dur="1" fill="hold">
                                           <p:stCondLst>
                                             <p:cond delay="0"/>
                                           </p:stCondLst>
@@ -28698,6 +28632,18 @@
                                         <p:strVal val="visible"/>
                                       </p:to>
                                     </p:set>
+                                    <p:animEffect transition="in" filter="dissolve">
+                                      <p:cBhvr>
+                                        <p:cTn id="10" dur="500"/>
+                                        <p:tgtEl>
+                                          <p:spTgt spid="657411">
+                                            <p:txEl>
+                                              <p:pRg st="1" end="1"/>
+                                            </p:txEl>
+                                          </p:spTgt>
+                                        </p:tgtEl>
+                                      </p:cBhvr>
+                                    </p:animEffect>
                                   </p:childTnLst>
                                 </p:cTn>
                               </p:par>
@@ -28708,26 +28654,26 @@
                     </p:cTn>
                   </p:par>
                   <p:par>
-                    <p:cTn id="9" fill="hold">
+                    <p:cTn id="11" fill="hold">
                       <p:stCondLst>
                         <p:cond delay="indefinite"/>
                       </p:stCondLst>
                       <p:childTnLst>
                         <p:par>
-                          <p:cTn id="10" fill="hold">
+                          <p:cTn id="12" fill="hold">
                             <p:stCondLst>
                               <p:cond delay="0"/>
                             </p:stCondLst>
                             <p:childTnLst>
                               <p:par>
-                                <p:cTn id="11" presetID="1" presetClass="entr" presetSubtype="0" fill="hold" nodeType="clickEffect">
+                                <p:cTn id="13" presetID="1" presetClass="entr" presetSubtype="0" fill="hold" nodeType="clickEffect">
                                   <p:stCondLst>
                                     <p:cond delay="0"/>
                                   </p:stCondLst>
                                   <p:childTnLst>
                                     <p:set>
                                       <p:cBhvr>
-                                        <p:cTn id="12" dur="1" fill="hold">
+                                        <p:cTn id="14" dur="1" fill="hold">
                                           <p:stCondLst>
                                             <p:cond delay="0"/>
                                           </p:stCondLst>
@@ -28757,32 +28703,32 @@
                     </p:cTn>
                   </p:par>
                   <p:par>
-                    <p:cTn id="13" fill="hold">
+                    <p:cTn id="15" fill="hold">
                       <p:stCondLst>
                         <p:cond delay="indefinite"/>
                       </p:stCondLst>
                       <p:childTnLst>
                         <p:par>
-                          <p:cTn id="14" fill="hold">
+                          <p:cTn id="16" fill="hold">
                             <p:stCondLst>
                               <p:cond delay="0"/>
                             </p:stCondLst>
                             <p:childTnLst>
                               <p:par>
-                                <p:cTn id="15" presetID="22" presetClass="entr" presetSubtype="8" fill="hold" nodeType="clickEffect">
+                                <p:cTn id="17" presetID="22" presetClass="entr" presetSubtype="8" fill="hold" nodeType="clickEffect">
                                   <p:stCondLst>
                                     <p:cond delay="0"/>
                                   </p:stCondLst>
                                   <p:childTnLst>
                                     <p:set>
                                       <p:cBhvr>
-                                        <p:cTn id="16" dur="1" fill="hold">
+                                        <p:cTn id="18" dur="1" fill="hold">
                                           <p:stCondLst>
                                             <p:cond delay="0"/>
                                           </p:stCondLst>
                                         </p:cTn>
                                         <p:tgtEl>
-                                          <p:spTgt spid="5"/>
+                                          <p:spTgt spid="2"/>
                                         </p:tgtEl>
                                         <p:attrNameLst>
                                           <p:attrName>style.visibility</p:attrName>
@@ -28794,9 +28740,9 @@
                                     </p:set>
                                     <p:animEffect transition="in" filter="wipe(left)">
                                       <p:cBhvr>
-                                        <p:cTn id="17" dur="500"/>
+                                        <p:cTn id="19" dur="1000"/>
                                         <p:tgtEl>
-                                          <p:spTgt spid="5"/>
+                                          <p:spTgt spid="2"/>
                                         </p:tgtEl>
                                       </p:cBhvr>
                                     </p:animEffect>
@@ -29007,7 +28953,7 @@
           <a:graphicData uri="http://schemas.openxmlformats.org/presentationml/2006/ole">
             <mc:AlternateContent xmlns:mc="http://schemas.openxmlformats.org/markup-compatibility/2006">
               <mc:Choice xmlns:v="urn:schemas-microsoft-com:vml" Requires="v">
-                <p:oleObj spid="_x0000_s55381" name="Equation" r:id="rId4" imgW="215900" imgH="1270000" progId="Equation.DSMT4">
+                <p:oleObj spid="_x0000_s55388" name="Equation" r:id="rId4" imgW="215900" imgH="1270000" progId="Equation.DSMT4">
                   <p:embed/>
                 </p:oleObj>
               </mc:Choice>
@@ -29342,7 +29288,7 @@
           <a:graphicData uri="http://schemas.openxmlformats.org/presentationml/2006/ole">
             <mc:AlternateContent xmlns:mc="http://schemas.openxmlformats.org/markup-compatibility/2006">
               <mc:Choice xmlns:v="urn:schemas-microsoft-com:vml" Requires="v">
-                <p:oleObj spid="_x0000_s55382" name="Equation" r:id="rId6" imgW="533400" imgH="596900" progId="Equation.DSMT4">
+                <p:oleObj spid="_x0000_s55389" name="Equation" r:id="rId6" imgW="533400" imgH="596900" progId="Equation.DSMT4">
                   <p:embed/>
                 </p:oleObj>
               </mc:Choice>
@@ -29406,7 +29352,7 @@
           <a:graphicData uri="http://schemas.openxmlformats.org/presentationml/2006/ole">
             <mc:AlternateContent xmlns:mc="http://schemas.openxmlformats.org/markup-compatibility/2006">
               <mc:Choice xmlns:v="urn:schemas-microsoft-com:vml" Requires="v">
-                <p:oleObj spid="_x0000_s55383" name="Equation" r:id="rId8" imgW="546100" imgH="177800" progId="Equation.DSMT4">
+                <p:oleObj spid="_x0000_s55390" name="Equation" r:id="rId8" imgW="546100" imgH="177800" progId="Equation.DSMT4">
                   <p:embed/>
                 </p:oleObj>
               </mc:Choice>
@@ -29465,7 +29411,18 @@
   <p:clrMapOvr>
     <a:masterClrMapping/>
   </p:clrMapOvr>
-  <p:transition xmlns:p14="http://schemas.microsoft.com/office/powerpoint/2010/main"/>
+  <mc:AlternateContent xmlns:mc="http://schemas.openxmlformats.org/markup-compatibility/2006">
+    <mc:Choice xmlns:p14="http://schemas.microsoft.com/office/powerpoint/2010/main" Requires="p14">
+      <p:transition spd="med" p14:dur="700">
+        <p:fade thruBlk="1"/>
+      </p:transition>
+    </mc:Choice>
+    <mc:Fallback>
+      <p:transition xmlns:p14="http://schemas.microsoft.com/office/powerpoint/2010/main" spd="med">
+        <p:fade thruBlk="1"/>
+      </p:transition>
+    </mc:Fallback>
+  </mc:AlternateContent>
   <p:timing>
     <p:tnLst>
       <p:par>
@@ -30474,7 +30431,7 @@
           <a:graphicData uri="http://schemas.openxmlformats.org/presentationml/2006/ole">
             <mc:AlternateContent xmlns:mc="http://schemas.openxmlformats.org/markup-compatibility/2006">
               <mc:Choice xmlns:v="urn:schemas-microsoft-com:vml" Requires="v">
-                <p:oleObj spid="_x0000_s107555" name="Equation" r:id="rId4" imgW="266400" imgH="939600" progId="Equation.DSMT4">
+                <p:oleObj spid="_x0000_s107558" name="Equation" r:id="rId4" imgW="266400" imgH="939600" progId="Equation.DSMT4">
                   <p:embed/>
                 </p:oleObj>
               </mc:Choice>
@@ -30533,9 +30490,18 @@
   <p:clrMapOvr>
     <a:masterClrMapping/>
   </p:clrMapOvr>
-  <p:transition xmlns:p14="http://schemas.microsoft.com/office/powerpoint/2010/main">
-    <p:fade/>
-  </p:transition>
+  <mc:AlternateContent xmlns:mc="http://schemas.openxmlformats.org/markup-compatibility/2006">
+    <mc:Choice xmlns:p14="http://schemas.microsoft.com/office/powerpoint/2010/main" Requires="p14">
+      <p:transition spd="med" p14:dur="700">
+        <p:fade/>
+      </p:transition>
+    </mc:Choice>
+    <mc:Fallback>
+      <p:transition xmlns:p14="http://schemas.microsoft.com/office/powerpoint/2010/main" spd="med">
+        <p:fade/>
+      </p:transition>
+    </mc:Fallback>
+  </mc:AlternateContent>
   <p:timing>
     <p:tnLst>
       <p:par>
@@ -30641,7 +30607,7 @@
                             </p:stCondLst>
                             <p:childTnLst>
                               <p:par>
-                                <p:cTn id="12" presetID="1" presetClass="entr" presetSubtype="0" fill="hold" nodeType="afterEffect">
+                                <p:cTn id="12" presetID="9" presetClass="entr" presetSubtype="0" fill="hold" nodeType="afterEffect">
                                   <p:stCondLst>
                                     <p:cond delay="0"/>
                                   </p:stCondLst>
@@ -30668,6 +30634,18 @@
                                         <p:strVal val="visible"/>
                                       </p:to>
                                     </p:set>
+                                    <p:animEffect transition="in" filter="dissolve">
+                                      <p:cBhvr>
+                                        <p:cTn id="14" dur="500"/>
+                                        <p:tgtEl>
+                                          <p:spTgt spid="658435">
+                                            <p:txEl>
+                                              <p:pRg st="3" end="3"/>
+                                            </p:txEl>
+                                          </p:spTgt>
+                                        </p:tgtEl>
+                                      </p:cBhvr>
+                                    </p:animEffect>
                                   </p:childTnLst>
                                 </p:cTn>
                               </p:par>
@@ -30947,7 +30925,7 @@
           <a:graphicData uri="http://schemas.openxmlformats.org/presentationml/2006/ole">
             <mc:AlternateContent xmlns:mc="http://schemas.openxmlformats.org/markup-compatibility/2006">
               <mc:Choice xmlns:v="urn:schemas-microsoft-com:vml" Requires="v">
-                <p:oleObj spid="_x0000_s110623" name="Equation" r:id="rId4" imgW="241300" imgH="279400" progId="Equation.DSMT4">
+                <p:oleObj spid="_x0000_s110628" name="Equation" r:id="rId4" imgW="241300" imgH="279400" progId="Equation.DSMT4">
                   <p:embed/>
                 </p:oleObj>
               </mc:Choice>
@@ -31004,7 +30982,7 @@
           <a:graphicData uri="http://schemas.openxmlformats.org/presentationml/2006/ole">
             <mc:AlternateContent xmlns:mc="http://schemas.openxmlformats.org/markup-compatibility/2006">
               <mc:Choice xmlns:v="urn:schemas-microsoft-com:vml" Requires="v">
-                <p:oleObj spid="_x0000_s110624" name="Equation" r:id="rId6" imgW="241300" imgH="279400" progId="Equation.DSMT4">
+                <p:oleObj spid="_x0000_s110629" name="Equation" r:id="rId6" imgW="241300" imgH="279400" progId="Equation.DSMT4">
                   <p:embed/>
                 </p:oleObj>
               </mc:Choice>
@@ -31577,15 +31555,15 @@
   <p:clrMapOvr>
     <a:masterClrMapping/>
   </p:clrMapOvr>
-  <mc:AlternateContent xmlns:mc="http://schemas.openxmlformats.org/markup-compatibility/2006" xmlns:p14="http://schemas.microsoft.com/office/powerpoint/2010/main">
-    <mc:Choice Requires="p14">
-      <p:transition spd="med" p14:dur="700">
-        <p:fade/>
+  <mc:AlternateContent xmlns:mc="http://schemas.openxmlformats.org/markup-compatibility/2006">
+    <mc:Choice xmlns:p14="http://schemas.microsoft.com/office/powerpoint/2010/main" Requires="p14">
+      <p:transition spd="slow" p14:dur="1200">
+        <p:fade thruBlk="1"/>
       </p:transition>
     </mc:Choice>
-    <mc:Fallback xmlns="">
-      <p:transition xmlns:p14="http://schemas.microsoft.com/office/powerpoint/2010/main" spd="med">
-        <p:fade/>
+    <mc:Fallback>
+      <p:transition xmlns:p14="http://schemas.microsoft.com/office/powerpoint/2010/main" spd="slow">
+        <p:fade thruBlk="1"/>
       </p:transition>
     </mc:Fallback>
   </mc:AlternateContent>
@@ -31978,7 +31956,7 @@
           <a:graphicData uri="http://schemas.openxmlformats.org/presentationml/2006/ole">
             <mc:AlternateContent xmlns:mc="http://schemas.openxmlformats.org/markup-compatibility/2006">
               <mc:Choice xmlns:v="urn:schemas-microsoft-com:vml" Requires="v">
-                <p:oleObj spid="_x0000_s111632" name="Equation" r:id="rId3" imgW="787400" imgH="406400" progId="Equation.DSMT4">
+                <p:oleObj spid="_x0000_s111635" name="Equation" r:id="rId3" imgW="787400" imgH="406400" progId="Equation.DSMT4">
                   <p:embed/>
                 </p:oleObj>
               </mc:Choice>
@@ -32458,7 +32436,18 @@
   <p:clrMapOvr>
     <a:masterClrMapping/>
   </p:clrMapOvr>
-  <p:transition xmlns:p14="http://schemas.microsoft.com/office/powerpoint/2010/main"/>
+  <mc:AlternateContent xmlns:mc="http://schemas.openxmlformats.org/markup-compatibility/2006">
+    <mc:Choice xmlns:p14="http://schemas.microsoft.com/office/powerpoint/2010/main" Requires="p14">
+      <p:transition spd="med" p14:dur="700">
+        <p:fade/>
+      </p:transition>
+    </mc:Choice>
+    <mc:Fallback>
+      <p:transition xmlns:p14="http://schemas.microsoft.com/office/powerpoint/2010/main" spd="med">
+        <p:fade/>
+      </p:transition>
+    </mc:Fallback>
+  </mc:AlternateContent>
   <p:timing>
     <p:tnLst>
       <p:par>
@@ -34166,7 +34155,18 @@
   <p:clrMapOvr>
     <a:masterClrMapping/>
   </p:clrMapOvr>
-  <p:transition xmlns:p14="http://schemas.microsoft.com/office/powerpoint/2010/main"/>
+  <mc:AlternateContent xmlns:mc="http://schemas.openxmlformats.org/markup-compatibility/2006">
+    <mc:Choice xmlns:p14="http://schemas.microsoft.com/office/powerpoint/2010/main" Requires="p14">
+      <p:transition p14:dur="400">
+        <p:fade thruBlk="1"/>
+      </p:transition>
+    </mc:Choice>
+    <mc:Fallback>
+      <p:transition xmlns:p14="http://schemas.microsoft.com/office/powerpoint/2010/main">
+        <p:fade thruBlk="1"/>
+      </p:transition>
+    </mc:Fallback>
+  </mc:AlternateContent>
   <p:timing>
     <p:tnLst>
       <p:par>
@@ -34722,25 +34722,25 @@
           <p:nvPr>
             <p:extLst>
               <p:ext uri="{D42A27DB-BD31-4B8C-83A1-F6EECF244321}">
-                <p14:modId xmlns:p14="http://schemas.microsoft.com/office/powerpoint/2010/main" val="478899098"/>
+                <p14:modId xmlns:p14="http://schemas.microsoft.com/office/powerpoint/2010/main" val="1525907399"/>
               </p:ext>
             </p:extLst>
           </p:nvPr>
         </p:nvGraphicFramePr>
         <p:xfrm>
-          <a:off x="1146495" y="2187088"/>
-          <a:ext cx="6778487" cy="1574800"/>
+          <a:off x="1795463" y="2154238"/>
+          <a:ext cx="5478462" cy="1643062"/>
         </p:xfrm>
         <a:graphic>
           <a:graphicData uri="http://schemas.openxmlformats.org/presentationml/2006/ole">
             <mc:AlternateContent xmlns:mc="http://schemas.openxmlformats.org/markup-compatibility/2006">
               <mc:Choice xmlns:v="urn:schemas-microsoft-com:vml" Requires="v">
-                <p:oleObj spid="_x0000_s31804" name="Equation" r:id="rId4" imgW="1257300" imgH="292100" progId="Equation.DSMT4">
+                <p:oleObj spid="_x0000_s31811" name="Equation" r:id="rId4" imgW="1016000" imgH="304800" progId="Equation.3">
                   <p:embed/>
                 </p:oleObj>
               </mc:Choice>
               <mc:Fallback>
-                <p:oleObj name="Equation" r:id="rId4" imgW="1257300" imgH="292100" progId="Equation.DSMT4">
+                <p:oleObj name="Equation" r:id="rId4" imgW="1016000" imgH="304800" progId="Equation.3">
                   <p:embed/>
                   <p:pic>
                     <p:nvPicPr>
@@ -34756,8 +34756,8 @@
                     </p:blipFill>
                     <p:spPr>
                       <a:xfrm>
-                        <a:off x="1146495" y="2187088"/>
-                        <a:ext cx="6778487" cy="1574800"/>
+                        <a:off x="1795463" y="2154238"/>
+                        <a:ext cx="5478462" cy="1643062"/>
                       </a:xfrm>
                       <a:prstGeom prst="rect">
                         <a:avLst/>
@@ -34792,7 +34792,7 @@
           <a:graphicData uri="http://schemas.openxmlformats.org/presentationml/2006/ole">
             <mc:AlternateContent xmlns:mc="http://schemas.openxmlformats.org/markup-compatibility/2006">
               <mc:Choice xmlns:v="urn:schemas-microsoft-com:vml" Requires="v">
-                <p:oleObj spid="_x0000_s31805" name="Equation" r:id="rId6" imgW="1041400" imgH="292100" progId="Equation.DSMT4">
+                <p:oleObj spid="_x0000_s31812" name="Equation" r:id="rId6" imgW="1041400" imgH="292100" progId="Equation.DSMT4">
                   <p:embed/>
                 </p:oleObj>
               </mc:Choice>
@@ -34832,7 +34832,18 @@
   <p:clrMapOvr>
     <a:masterClrMapping/>
   </p:clrMapOvr>
-  <p:transition xmlns:p14="http://schemas.microsoft.com/office/powerpoint/2010/main"/>
+  <mc:AlternateContent xmlns:mc="http://schemas.openxmlformats.org/markup-compatibility/2006">
+    <mc:Choice xmlns:p14="http://schemas.microsoft.com/office/powerpoint/2010/main" Requires="p14">
+      <p:transition spd="med" p14:dur="700">
+        <p:fade/>
+      </p:transition>
+    </mc:Choice>
+    <mc:Fallback>
+      <p:transition xmlns:p14="http://schemas.microsoft.com/office/powerpoint/2010/main" spd="med">
+        <p:fade/>
+      </p:transition>
+    </mc:Fallback>
+  </mc:AlternateContent>
   <p:timing>
     <p:tnLst>
       <p:par>
@@ -34854,7 +34865,7 @@
                             </p:stCondLst>
                             <p:childTnLst>
                               <p:par>
-                                <p:cTn id="5" presetID="9" presetClass="entr" presetSubtype="0" fill="hold" grpId="0" nodeType="clickEffect">
+                                <p:cTn id="5" presetID="22" presetClass="entr" presetSubtype="8" fill="hold" nodeType="clickEffect">
                                   <p:stCondLst>
                                     <p:cond delay="0"/>
                                   </p:stCondLst>
@@ -34862,6 +34873,59 @@
                                     <p:set>
                                       <p:cBhvr>
                                         <p:cTn id="6" dur="1" fill="hold">
+                                          <p:stCondLst>
+                                            <p:cond delay="0"/>
+                                          </p:stCondLst>
+                                        </p:cTn>
+                                        <p:tgtEl>
+                                          <p:spTgt spid="2"/>
+                                        </p:tgtEl>
+                                        <p:attrNameLst>
+                                          <p:attrName>style.visibility</p:attrName>
+                                        </p:attrNameLst>
+                                      </p:cBhvr>
+                                      <p:to>
+                                        <p:strVal val="visible"/>
+                                      </p:to>
+                                    </p:set>
+                                    <p:animEffect transition="in" filter="wipe(left)">
+                                      <p:cBhvr>
+                                        <p:cTn id="7" dur="500"/>
+                                        <p:tgtEl>
+                                          <p:spTgt spid="2"/>
+                                        </p:tgtEl>
+                                      </p:cBhvr>
+                                    </p:animEffect>
+                                  </p:childTnLst>
+                                </p:cTn>
+                              </p:par>
+                            </p:childTnLst>
+                          </p:cTn>
+                        </p:par>
+                      </p:childTnLst>
+                    </p:cTn>
+                  </p:par>
+                  <p:par>
+                    <p:cTn id="8" fill="hold">
+                      <p:stCondLst>
+                        <p:cond delay="indefinite"/>
+                      </p:stCondLst>
+                      <p:childTnLst>
+                        <p:par>
+                          <p:cTn id="9" fill="hold">
+                            <p:stCondLst>
+                              <p:cond delay="0"/>
+                            </p:stCondLst>
+                            <p:childTnLst>
+                              <p:par>
+                                <p:cTn id="10" presetID="9" presetClass="entr" presetSubtype="0" fill="hold" grpId="0" nodeType="clickEffect">
+                                  <p:stCondLst>
+                                    <p:cond delay="0"/>
+                                  </p:stCondLst>
+                                  <p:childTnLst>
+                                    <p:set>
+                                      <p:cBhvr>
+                                        <p:cTn id="11" dur="1" fill="hold">
                                           <p:stCondLst>
                                             <p:cond delay="0"/>
                                           </p:stCondLst>
@@ -34879,7 +34943,7 @@
                                     </p:set>
                                     <p:animEffect transition="in" filter="dissolve">
                                       <p:cBhvr>
-                                        <p:cTn id="7" dur="500"/>
+                                        <p:cTn id="12" dur="500"/>
                                         <p:tgtEl>
                                           <p:spTgt spid="626695"/>
                                         </p:tgtEl>
@@ -34892,20 +34956,20 @@
                           </p:cTn>
                         </p:par>
                         <p:par>
-                          <p:cTn id="8" fill="hold">
+                          <p:cTn id="13" fill="hold">
                             <p:stCondLst>
                               <p:cond delay="500"/>
                             </p:stCondLst>
                             <p:childTnLst>
                               <p:par>
-                                <p:cTn id="9" presetID="1" presetClass="entr" presetSubtype="0" fill="hold" nodeType="afterEffect">
+                                <p:cTn id="14" presetID="1" presetClass="entr" presetSubtype="0" fill="hold" nodeType="afterEffect">
                                   <p:stCondLst>
                                     <p:cond delay="0"/>
                                   </p:stCondLst>
                                   <p:childTnLst>
                                     <p:set>
                                       <p:cBhvr>
-                                        <p:cTn id="10" dur="1" fill="hold">
+                                        <p:cTn id="15" dur="1" fill="hold">
                                           <p:stCondLst>
                                             <p:cond delay="0"/>
                                           </p:stCondLst>
@@ -34929,14 +34993,14 @@
                                 </p:cTn>
                               </p:par>
                               <p:par>
-                                <p:cTn id="11" presetID="1" presetClass="entr" presetSubtype="0" fill="hold" nodeType="withEffect">
+                                <p:cTn id="16" presetID="9" presetClass="entr" presetSubtype="0" fill="hold" nodeType="withEffect">
                                   <p:stCondLst>
                                     <p:cond delay="0"/>
                                   </p:stCondLst>
                                   <p:childTnLst>
                                     <p:set>
                                       <p:cBhvr>
-                                        <p:cTn id="12" dur="1" fill="hold">
+                                        <p:cTn id="17" dur="1" fill="hold">
                                           <p:stCondLst>
                                             <p:cond delay="0"/>
                                           </p:stCondLst>
@@ -34956,6 +35020,71 @@
                                         <p:strVal val="visible"/>
                                       </p:to>
                                     </p:set>
+                                    <p:animEffect transition="in" filter="dissolve">
+                                      <p:cBhvr>
+                                        <p:cTn id="18" dur="500"/>
+                                        <p:tgtEl>
+                                          <p:spTgt spid="626693">
+                                            <p:txEl>
+                                              <p:pRg st="1" end="1"/>
+                                            </p:txEl>
+                                          </p:spTgt>
+                                        </p:tgtEl>
+                                      </p:cBhvr>
+                                    </p:animEffect>
+                                  </p:childTnLst>
+                                </p:cTn>
+                              </p:par>
+                            </p:childTnLst>
+                          </p:cTn>
+                        </p:par>
+                      </p:childTnLst>
+                    </p:cTn>
+                  </p:par>
+                  <p:par>
+                    <p:cTn id="19" fill="hold">
+                      <p:stCondLst>
+                        <p:cond delay="indefinite"/>
+                      </p:stCondLst>
+                      <p:childTnLst>
+                        <p:par>
+                          <p:cTn id="20" fill="hold">
+                            <p:stCondLst>
+                              <p:cond delay="0"/>
+                            </p:stCondLst>
+                            <p:childTnLst>
+                              <p:par>
+                                <p:cTn id="21" presetID="22" presetClass="entr" presetSubtype="8" fill="hold" nodeType="clickEffect">
+                                  <p:stCondLst>
+                                    <p:cond delay="0"/>
+                                  </p:stCondLst>
+                                  <p:childTnLst>
+                                    <p:set>
+                                      <p:cBhvr>
+                                        <p:cTn id="22" dur="1" fill="hold">
+                                          <p:stCondLst>
+                                            <p:cond delay="0"/>
+                                          </p:stCondLst>
+                                        </p:cTn>
+                                        <p:tgtEl>
+                                          <p:spTgt spid="3"/>
+                                        </p:tgtEl>
+                                        <p:attrNameLst>
+                                          <p:attrName>style.visibility</p:attrName>
+                                        </p:attrNameLst>
+                                      </p:cBhvr>
+                                      <p:to>
+                                        <p:strVal val="visible"/>
+                                      </p:to>
+                                    </p:set>
+                                    <p:animEffect transition="in" filter="wipe(left)">
+                                      <p:cBhvr>
+                                        <p:cTn id="23" dur="500"/>
+                                        <p:tgtEl>
+                                          <p:spTgt spid="3"/>
+                                        </p:tgtEl>
+                                      </p:cBhvr>
+                                    </p:animEffect>
                                   </p:childTnLst>
                                 </p:cTn>
                               </p:par>
@@ -35618,9 +35747,177 @@
   <p:timing>
     <p:tnLst>
       <p:par>
-        <p:cTn xmlns:p14="http://schemas.microsoft.com/office/powerpoint/2010/main" id="1" dur="indefinite" restart="never" nodeType="tmRoot"/>
+        <p:cTn xmlns:p14="http://schemas.microsoft.com/office/powerpoint/2010/main" id="1" dur="indefinite" restart="never" nodeType="tmRoot">
+          <p:childTnLst>
+            <p:seq concurrent="1" nextAc="seek">
+              <p:cTn id="2" dur="indefinite" nodeType="mainSeq">
+                <p:childTnLst>
+                  <p:par>
+                    <p:cTn id="3" fill="hold">
+                      <p:stCondLst>
+                        <p:cond delay="indefinite"/>
+                      </p:stCondLst>
+                      <p:childTnLst>
+                        <p:par>
+                          <p:cTn id="4" fill="hold">
+                            <p:stCondLst>
+                              <p:cond delay="0"/>
+                            </p:stCondLst>
+                            <p:childTnLst>
+                              <p:par>
+                                <p:cTn id="5" presetID="10" presetClass="entr" presetSubtype="0" fill="hold" grpId="0" nodeType="clickEffect">
+                                  <p:stCondLst>
+                                    <p:cond delay="0"/>
+                                  </p:stCondLst>
+                                  <p:childTnLst>
+                                    <p:set>
+                                      <p:cBhvr>
+                                        <p:cTn id="6" dur="1" fill="hold">
+                                          <p:stCondLst>
+                                            <p:cond delay="0"/>
+                                          </p:stCondLst>
+                                        </p:cTn>
+                                        <p:tgtEl>
+                                          <p:spTgt spid="633865"/>
+                                        </p:tgtEl>
+                                        <p:attrNameLst>
+                                          <p:attrName>style.visibility</p:attrName>
+                                        </p:attrNameLst>
+                                      </p:cBhvr>
+                                      <p:to>
+                                        <p:strVal val="visible"/>
+                                      </p:to>
+                                    </p:set>
+                                    <p:animEffect transition="in" filter="fade">
+                                      <p:cBhvr>
+                                        <p:cTn id="7" dur="500"/>
+                                        <p:tgtEl>
+                                          <p:spTgt spid="633865"/>
+                                        </p:tgtEl>
+                                      </p:cBhvr>
+                                    </p:animEffect>
+                                  </p:childTnLst>
+                                </p:cTn>
+                              </p:par>
+                            </p:childTnLst>
+                          </p:cTn>
+                        </p:par>
+                      </p:childTnLst>
+                    </p:cTn>
+                  </p:par>
+                  <p:par>
+                    <p:cTn id="8" fill="hold">
+                      <p:stCondLst>
+                        <p:cond delay="indefinite"/>
+                      </p:stCondLst>
+                      <p:childTnLst>
+                        <p:par>
+                          <p:cTn id="9" fill="hold">
+                            <p:stCondLst>
+                              <p:cond delay="0"/>
+                            </p:stCondLst>
+                            <p:childTnLst>
+                              <p:par>
+                                <p:cTn id="10" presetID="10" presetClass="entr" presetSubtype="0" fill="hold" nodeType="clickEffect">
+                                  <p:stCondLst>
+                                    <p:cond delay="0"/>
+                                  </p:stCondLst>
+                                  <p:childTnLst>
+                                    <p:set>
+                                      <p:cBhvr>
+                                        <p:cTn id="11" dur="1" fill="hold">
+                                          <p:stCondLst>
+                                            <p:cond delay="0"/>
+                                          </p:stCondLst>
+                                        </p:cTn>
+                                        <p:tgtEl>
+                                          <p:spTgt spid="2"/>
+                                        </p:tgtEl>
+                                        <p:attrNameLst>
+                                          <p:attrName>style.visibility</p:attrName>
+                                        </p:attrNameLst>
+                                      </p:cBhvr>
+                                      <p:to>
+                                        <p:strVal val="visible"/>
+                                      </p:to>
+                                    </p:set>
+                                    <p:animEffect transition="in" filter="fade">
+                                      <p:cBhvr>
+                                        <p:cTn id="12" dur="500"/>
+                                        <p:tgtEl>
+                                          <p:spTgt spid="2"/>
+                                        </p:tgtEl>
+                                      </p:cBhvr>
+                                    </p:animEffect>
+                                  </p:childTnLst>
+                                </p:cTn>
+                              </p:par>
+                              <p:par>
+                                <p:cTn id="13" presetID="10" presetClass="entr" presetSubtype="0" fill="hold" grpId="0" nodeType="withEffect">
+                                  <p:stCondLst>
+                                    <p:cond delay="0"/>
+                                  </p:stCondLst>
+                                  <p:childTnLst>
+                                    <p:set>
+                                      <p:cBhvr>
+                                        <p:cTn id="14" dur="1" fill="hold">
+                                          <p:stCondLst>
+                                            <p:cond delay="0"/>
+                                          </p:stCondLst>
+                                        </p:cTn>
+                                        <p:tgtEl>
+                                          <p:spTgt spid="11"/>
+                                        </p:tgtEl>
+                                        <p:attrNameLst>
+                                          <p:attrName>style.visibility</p:attrName>
+                                        </p:attrNameLst>
+                                      </p:cBhvr>
+                                      <p:to>
+                                        <p:strVal val="visible"/>
+                                      </p:to>
+                                    </p:set>
+                                    <p:animEffect transition="in" filter="fade">
+                                      <p:cBhvr>
+                                        <p:cTn id="15" dur="500"/>
+                                        <p:tgtEl>
+                                          <p:spTgt spid="11"/>
+                                        </p:tgtEl>
+                                      </p:cBhvr>
+                                    </p:animEffect>
+                                  </p:childTnLst>
+                                </p:cTn>
+                              </p:par>
+                            </p:childTnLst>
+                          </p:cTn>
+                        </p:par>
+                      </p:childTnLst>
+                    </p:cTn>
+                  </p:par>
+                </p:childTnLst>
+              </p:cTn>
+              <p:prevCondLst>
+                <p:cond evt="onPrev" delay="0">
+                  <p:tgtEl>
+                    <p:sldTgt/>
+                  </p:tgtEl>
+                </p:cond>
+              </p:prevCondLst>
+              <p:nextCondLst>
+                <p:cond evt="onNext" delay="0">
+                  <p:tgtEl>
+                    <p:sldTgt/>
+                  </p:tgtEl>
+                </p:cond>
+              </p:nextCondLst>
+            </p:seq>
+          </p:childTnLst>
+        </p:cTn>
       </p:par>
     </p:tnLst>
+    <p:bldLst>
+      <p:bldP spid="11" grpId="0" animBg="1"/>
+      <p:bldP spid="633865" grpId="0"/>
+    </p:bldLst>
   </p:timing>
 </p:sld>
 </file>

--- a/spring12/slidesS12/scheduling.pptx
+++ b/spring12/slidesS12/scheduling.pptx
@@ -5,10 +5,10 @@
     <p:sldMasterId id="2147483648" r:id="rId1"/>
   </p:sldMasterIdLst>
   <p:notesMasterIdLst>
-    <p:notesMasterId r:id="rId40"/>
+    <p:notesMasterId r:id="rId41"/>
   </p:notesMasterIdLst>
   <p:handoutMasterIdLst>
-    <p:handoutMasterId r:id="rId41"/>
+    <p:handoutMasterId r:id="rId42"/>
   </p:handoutMasterIdLst>
   <p:sldIdLst>
     <p:sldId id="257" r:id="rId2"/>
@@ -49,6 +49,7 @@
     <p:sldId id="371" r:id="rId37"/>
     <p:sldId id="396" r:id="rId38"/>
     <p:sldId id="373" r:id="rId39"/>
+    <p:sldId id="397" r:id="rId40"/>
   </p:sldIdLst>
   <p:sldSz cx="9144000" cy="6858000" type="screen4x3"/>
   <p:notesSz cx="9601200" cy="7315200"/>
@@ -233,7 +234,7 @@
             <a:fld id="{7E67CB53-8D3C-47BE-A7FA-F662C961B657}" type="datetimeFigureOut">
               <a:rPr lang="en-US" smtClean="0"/>
               <a:pPr/>
-              <a:t>3/14/12</a:t>
+              <a:t>3/16/12</a:t>
             </a:fld>
             <a:endParaRPr lang="en-US"/>
           </a:p>
@@ -400,7 +401,7 @@
             <a:fld id="{EFF6E4C5-D825-46D1-9B47-4B12017997CB}" type="datetimeFigureOut">
               <a:rPr lang="en-US" smtClean="0"/>
               <a:pPr/>
-              <a:t>3/14/12</a:t>
+              <a:t>3/16/12</a:t>
             </a:fld>
             <a:endParaRPr lang="en-US"/>
           </a:p>
@@ -9326,13 +9327,13 @@
   <p:clrMapOvr>
     <a:masterClrMapping/>
   </p:clrMapOvr>
-  <mc:AlternateContent xmlns:mc="http://schemas.openxmlformats.org/markup-compatibility/2006">
-    <mc:Choice xmlns:p14="http://schemas.microsoft.com/office/powerpoint/2010/main" Requires="p14">
+  <mc:AlternateContent xmlns:mc="http://schemas.openxmlformats.org/markup-compatibility/2006" xmlns:p14="http://schemas.microsoft.com/office/powerpoint/2010/main">
+    <mc:Choice Requires="p14">
       <p:transition spd="med" p14:dur="700">
         <p:fade/>
       </p:transition>
     </mc:Choice>
-    <mc:Fallback>
+    <mc:Fallback xmlns="">
       <p:transition xmlns:p14="http://schemas.microsoft.com/office/powerpoint/2010/main" spd="med">
         <p:fade/>
       </p:transition>
@@ -11819,13 +11820,13 @@
   <p:clrMapOvr>
     <a:masterClrMapping/>
   </p:clrMapOvr>
-  <mc:AlternateContent xmlns:mc="http://schemas.openxmlformats.org/markup-compatibility/2006">
-    <mc:Choice xmlns:p14="http://schemas.microsoft.com/office/powerpoint/2010/main" Requires="p14">
+  <mc:AlternateContent xmlns:mc="http://schemas.openxmlformats.org/markup-compatibility/2006" xmlns:p14="http://schemas.microsoft.com/office/powerpoint/2010/main">
+    <mc:Choice Requires="p14">
       <p:transition spd="slow" p14:dur="1100">
         <p:fade thruBlk="1"/>
       </p:transition>
     </mc:Choice>
-    <mc:Fallback>
+    <mc:Fallback xmlns="">
       <p:transition xmlns:p14="http://schemas.microsoft.com/office/powerpoint/2010/main" spd="slow">
         <p:fade thruBlk="1"/>
       </p:transition>
@@ -17847,7 +17848,7 @@
           <a:graphicData uri="http://schemas.openxmlformats.org/presentationml/2006/ole">
             <mc:AlternateContent xmlns:mc="http://schemas.openxmlformats.org/markup-compatibility/2006">
               <mc:Choice xmlns:v="urn:schemas-microsoft-com:vml" Requires="v">
-                <p:oleObj spid="_x0000_s103497" name="Equation" r:id="rId4" imgW="76200" imgH="165100" progId="Equation.DSMT4">
+                <p:oleObj spid="_x0000_s103502" name="Equation" r:id="rId4" imgW="76200" imgH="165100" progId="Equation.DSMT4">
                   <p:embed/>
                 </p:oleObj>
               </mc:Choice>
@@ -17917,7 +17918,7 @@
           <a:graphicData uri="http://schemas.openxmlformats.org/presentationml/2006/ole">
             <mc:AlternateContent xmlns:mc="http://schemas.openxmlformats.org/markup-compatibility/2006">
               <mc:Choice xmlns:v="urn:schemas-microsoft-com:vml" Requires="v">
-                <p:oleObj spid="_x0000_s103498" name="Equation" r:id="rId6" imgW="76200" imgH="165100" progId="Equation.DSMT4">
+                <p:oleObj spid="_x0000_s103503" name="Equation" r:id="rId6" imgW="76200" imgH="165100" progId="Equation.DSMT4">
                   <p:embed/>
                 </p:oleObj>
               </mc:Choice>
@@ -18080,13 +18081,13 @@
   <p:clrMapOvr>
     <a:masterClrMapping/>
   </p:clrMapOvr>
-  <mc:AlternateContent xmlns:mc="http://schemas.openxmlformats.org/markup-compatibility/2006">
-    <mc:Choice xmlns:p14="http://schemas.microsoft.com/office/powerpoint/2010/main" Requires="p14">
+  <mc:AlternateContent xmlns:mc="http://schemas.openxmlformats.org/markup-compatibility/2006" xmlns:p14="http://schemas.microsoft.com/office/powerpoint/2010/main">
+    <mc:Choice Requires="p14">
       <p:transition spd="med" p14:dur="600">
         <p:fade/>
       </p:transition>
     </mc:Choice>
-    <mc:Fallback>
+    <mc:Fallback xmlns="">
       <p:transition xmlns:p14="http://schemas.microsoft.com/office/powerpoint/2010/main" spd="med">
         <p:fade/>
       </p:transition>
@@ -18514,7 +18515,7 @@
             <a:graphicData uri="http://schemas.openxmlformats.org/presentationml/2006/ole">
               <mc:AlternateContent xmlns:mc="http://schemas.openxmlformats.org/markup-compatibility/2006">
                 <mc:Choice xmlns:v="urn:schemas-microsoft-com:vml" Requires="v">
-                  <p:oleObj spid="_x0000_s1052" name="Equation" r:id="rId4" imgW="215900" imgH="990600" progId="Equation.DSMT4">
+                  <p:oleObj spid="_x0000_s1055" name="Equation" r:id="rId4" imgW="215900" imgH="990600" progId="Equation.DSMT4">
                     <p:embed/>
                   </p:oleObj>
                 </mc:Choice>
@@ -28500,7 +28501,7 @@
           <a:graphicData uri="http://schemas.openxmlformats.org/presentationml/2006/ole">
             <mc:AlternateContent xmlns:mc="http://schemas.openxmlformats.org/markup-compatibility/2006">
               <mc:Choice xmlns:v="urn:schemas-microsoft-com:vml" Requires="v">
-                <p:oleObj spid="_x0000_s80933" name="Equation" r:id="rId4" imgW="850900" imgH="330200" progId="Equation.DSMT4">
+                <p:oleObj spid="_x0000_s80936" name="Equation" r:id="rId4" imgW="850900" imgH="330200" progId="Equation.DSMT4">
                   <p:embed/>
                 </p:oleObj>
               </mc:Choice>
@@ -28953,7 +28954,7 @@
           <a:graphicData uri="http://schemas.openxmlformats.org/presentationml/2006/ole">
             <mc:AlternateContent xmlns:mc="http://schemas.openxmlformats.org/markup-compatibility/2006">
               <mc:Choice xmlns:v="urn:schemas-microsoft-com:vml" Requires="v">
-                <p:oleObj spid="_x0000_s55388" name="Equation" r:id="rId4" imgW="215900" imgH="1270000" progId="Equation.DSMT4">
+                <p:oleObj spid="_x0000_s55395" name="Equation" r:id="rId4" imgW="215900" imgH="1270000" progId="Equation.DSMT4">
                   <p:embed/>
                 </p:oleObj>
               </mc:Choice>
@@ -29288,7 +29289,7 @@
           <a:graphicData uri="http://schemas.openxmlformats.org/presentationml/2006/ole">
             <mc:AlternateContent xmlns:mc="http://schemas.openxmlformats.org/markup-compatibility/2006">
               <mc:Choice xmlns:v="urn:schemas-microsoft-com:vml" Requires="v">
-                <p:oleObj spid="_x0000_s55389" name="Equation" r:id="rId6" imgW="533400" imgH="596900" progId="Equation.DSMT4">
+                <p:oleObj spid="_x0000_s55396" name="Equation" r:id="rId6" imgW="533400" imgH="596900" progId="Equation.DSMT4">
                   <p:embed/>
                 </p:oleObj>
               </mc:Choice>
@@ -29352,7 +29353,7 @@
           <a:graphicData uri="http://schemas.openxmlformats.org/presentationml/2006/ole">
             <mc:AlternateContent xmlns:mc="http://schemas.openxmlformats.org/markup-compatibility/2006">
               <mc:Choice xmlns:v="urn:schemas-microsoft-com:vml" Requires="v">
-                <p:oleObj spid="_x0000_s55390" name="Equation" r:id="rId8" imgW="546100" imgH="177800" progId="Equation.DSMT4">
+                <p:oleObj spid="_x0000_s55397" name="Equation" r:id="rId8" imgW="546100" imgH="177800" progId="Equation.DSMT4">
                   <p:embed/>
                 </p:oleObj>
               </mc:Choice>
@@ -29411,13 +29412,13 @@
   <p:clrMapOvr>
     <a:masterClrMapping/>
   </p:clrMapOvr>
-  <mc:AlternateContent xmlns:mc="http://schemas.openxmlformats.org/markup-compatibility/2006">
-    <mc:Choice xmlns:p14="http://schemas.microsoft.com/office/powerpoint/2010/main" Requires="p14">
+  <mc:AlternateContent xmlns:mc="http://schemas.openxmlformats.org/markup-compatibility/2006" xmlns:p14="http://schemas.microsoft.com/office/powerpoint/2010/main">
+    <mc:Choice Requires="p14">
       <p:transition spd="med" p14:dur="700">
         <p:fade thruBlk="1"/>
       </p:transition>
     </mc:Choice>
-    <mc:Fallback>
+    <mc:Fallback xmlns="">
       <p:transition xmlns:p14="http://schemas.microsoft.com/office/powerpoint/2010/main" spd="med">
         <p:fade thruBlk="1"/>
       </p:transition>
@@ -30431,7 +30432,7 @@
           <a:graphicData uri="http://schemas.openxmlformats.org/presentationml/2006/ole">
             <mc:AlternateContent xmlns:mc="http://schemas.openxmlformats.org/markup-compatibility/2006">
               <mc:Choice xmlns:v="urn:schemas-microsoft-com:vml" Requires="v">
-                <p:oleObj spid="_x0000_s107558" name="Equation" r:id="rId4" imgW="266400" imgH="939600" progId="Equation.DSMT4">
+                <p:oleObj spid="_x0000_s107561" name="Equation" r:id="rId4" imgW="266400" imgH="939600" progId="Equation.DSMT4">
                   <p:embed/>
                 </p:oleObj>
               </mc:Choice>
@@ -30490,13 +30491,13 @@
   <p:clrMapOvr>
     <a:masterClrMapping/>
   </p:clrMapOvr>
-  <mc:AlternateContent xmlns:mc="http://schemas.openxmlformats.org/markup-compatibility/2006">
-    <mc:Choice xmlns:p14="http://schemas.microsoft.com/office/powerpoint/2010/main" Requires="p14">
+  <mc:AlternateContent xmlns:mc="http://schemas.openxmlformats.org/markup-compatibility/2006" xmlns:p14="http://schemas.microsoft.com/office/powerpoint/2010/main">
+    <mc:Choice Requires="p14">
       <p:transition spd="med" p14:dur="700">
         <p:fade/>
       </p:transition>
     </mc:Choice>
-    <mc:Fallback>
+    <mc:Fallback xmlns="">
       <p:transition xmlns:p14="http://schemas.microsoft.com/office/powerpoint/2010/main" spd="med">
         <p:fade/>
       </p:transition>
@@ -30925,7 +30926,7 @@
           <a:graphicData uri="http://schemas.openxmlformats.org/presentationml/2006/ole">
             <mc:AlternateContent xmlns:mc="http://schemas.openxmlformats.org/markup-compatibility/2006">
               <mc:Choice xmlns:v="urn:schemas-microsoft-com:vml" Requires="v">
-                <p:oleObj spid="_x0000_s110628" name="Equation" r:id="rId4" imgW="241300" imgH="279400" progId="Equation.DSMT4">
+                <p:oleObj spid="_x0000_s110633" name="Equation" r:id="rId4" imgW="241300" imgH="279400" progId="Equation.DSMT4">
                   <p:embed/>
                 </p:oleObj>
               </mc:Choice>
@@ -30982,7 +30983,7 @@
           <a:graphicData uri="http://schemas.openxmlformats.org/presentationml/2006/ole">
             <mc:AlternateContent xmlns:mc="http://schemas.openxmlformats.org/markup-compatibility/2006">
               <mc:Choice xmlns:v="urn:schemas-microsoft-com:vml" Requires="v">
-                <p:oleObj spid="_x0000_s110629" name="Equation" r:id="rId6" imgW="241300" imgH="279400" progId="Equation.DSMT4">
+                <p:oleObj spid="_x0000_s110634" name="Equation" r:id="rId6" imgW="241300" imgH="279400" progId="Equation.DSMT4">
                   <p:embed/>
                 </p:oleObj>
               </mc:Choice>
@@ -31555,13 +31556,13 @@
   <p:clrMapOvr>
     <a:masterClrMapping/>
   </p:clrMapOvr>
-  <mc:AlternateContent xmlns:mc="http://schemas.openxmlformats.org/markup-compatibility/2006">
-    <mc:Choice xmlns:p14="http://schemas.microsoft.com/office/powerpoint/2010/main" Requires="p14">
+  <mc:AlternateContent xmlns:mc="http://schemas.openxmlformats.org/markup-compatibility/2006" xmlns:p14="http://schemas.microsoft.com/office/powerpoint/2010/main">
+    <mc:Choice Requires="p14">
       <p:transition spd="slow" p14:dur="1200">
         <p:fade thruBlk="1"/>
       </p:transition>
     </mc:Choice>
-    <mc:Fallback>
+    <mc:Fallback xmlns="">
       <p:transition xmlns:p14="http://schemas.microsoft.com/office/powerpoint/2010/main" spd="slow">
         <p:fade thruBlk="1"/>
       </p:transition>
@@ -31956,7 +31957,7 @@
           <a:graphicData uri="http://schemas.openxmlformats.org/presentationml/2006/ole">
             <mc:AlternateContent xmlns:mc="http://schemas.openxmlformats.org/markup-compatibility/2006">
               <mc:Choice xmlns:v="urn:schemas-microsoft-com:vml" Requires="v">
-                <p:oleObj spid="_x0000_s111635" name="Equation" r:id="rId3" imgW="787400" imgH="406400" progId="Equation.DSMT4">
+                <p:oleObj spid="_x0000_s111638" name="Equation" r:id="rId3" imgW="787400" imgH="406400" progId="Equation.DSMT4">
                   <p:embed/>
                 </p:oleObj>
               </mc:Choice>
@@ -32436,13 +32437,13 @@
   <p:clrMapOvr>
     <a:masterClrMapping/>
   </p:clrMapOvr>
-  <mc:AlternateContent xmlns:mc="http://schemas.openxmlformats.org/markup-compatibility/2006">
-    <mc:Choice xmlns:p14="http://schemas.microsoft.com/office/powerpoint/2010/main" Requires="p14">
+  <mc:AlternateContent xmlns:mc="http://schemas.openxmlformats.org/markup-compatibility/2006" xmlns:p14="http://schemas.microsoft.com/office/powerpoint/2010/main">
+    <mc:Choice Requires="p14">
       <p:transition spd="med" p14:dur="700">
         <p:fade/>
       </p:transition>
     </mc:Choice>
-    <mc:Fallback>
+    <mc:Fallback xmlns="">
       <p:transition xmlns:p14="http://schemas.microsoft.com/office/powerpoint/2010/main" spd="med">
         <p:fade/>
       </p:transition>
@@ -32536,6 +32537,482 @@
             </p:seq>
           </p:childTnLst>
         </p:cTn>
+      </p:par>
+    </p:tnLst>
+  </p:timing>
+</p:sld>
+</file>
+
+<file path=ppt/slides/slide39.xml><?xml version="1.0" encoding="utf-8"?>
+<p:sld xmlns:a="http://schemas.openxmlformats.org/drawingml/2006/main" xmlns:r="http://schemas.openxmlformats.org/officeDocument/2006/relationships" xmlns:p="http://schemas.openxmlformats.org/presentationml/2006/main">
+  <p:cSld>
+    <p:spTree>
+      <p:nvGrpSpPr>
+        <p:cNvPr id="1" name=""/>
+        <p:cNvGrpSpPr/>
+        <p:nvPr/>
+      </p:nvGrpSpPr>
+      <p:grpSpPr>
+        <a:xfrm>
+          <a:off x="0" y="0"/>
+          <a:ext cx="0" cy="0"/>
+          <a:chOff x="0" y="0"/>
+          <a:chExt cx="0" cy="0"/>
+        </a:xfrm>
+      </p:grpSpPr>
+      <p:sp>
+        <p:nvSpPr>
+          <p:cNvPr id="3" name="Content Placeholder 2"/>
+          <p:cNvSpPr>
+            <a:spLocks noGrp="1"/>
+          </p:cNvSpPr>
+          <p:nvPr>
+            <p:ph idx="1"/>
+          </p:nvPr>
+        </p:nvSpPr>
+        <p:spPr>
+          <a:xfrm>
+            <a:off x="1767248" y="1270172"/>
+            <a:ext cx="5542964" cy="4830268"/>
+          </a:xfrm>
+        </p:spPr>
+        <p:txBody>
+          <a:bodyPr>
+            <a:noAutofit/>
+          </a:bodyPr>
+          <a:lstStyle/>
+          <a:p>
+            <a:r>
+              <a:rPr lang="tr-TR" sz="2000" dirty="0"/>
+              <a:t>Hu </a:t>
+            </a:r>
+            <a:r>
+              <a:rPr lang="tr-TR" sz="2000" dirty="0" err="1"/>
+              <a:t>Rui</a:t>
+            </a:r>
+            <a:r>
+              <a:rPr lang="tr-TR" sz="2000" dirty="0"/>
+              <a:t> Jul 13, 1990 6 8</a:t>
+            </a:r>
+          </a:p>
+          <a:p>
+            <a:r>
+              <a:rPr lang="tr-TR" sz="2000" dirty="0" err="1"/>
+              <a:t>Farid</a:t>
+            </a:r>
+            <a:r>
+              <a:rPr lang="tr-TR" sz="2000" dirty="0"/>
+              <a:t> Michael </a:t>
+            </a:r>
+            <a:r>
+              <a:rPr lang="tr-TR" sz="2000" dirty="0" err="1"/>
+              <a:t>Nov</a:t>
+            </a:r>
+            <a:r>
+              <a:rPr lang="tr-TR" sz="2000" dirty="0"/>
+              <a:t> 16, 1991 6 1</a:t>
+            </a:r>
+          </a:p>
+          <a:p>
+            <a:r>
+              <a:rPr lang="tr-TR" sz="2000" dirty="0"/>
+              <a:t>Smith Robert </a:t>
+            </a:r>
+            <a:r>
+              <a:rPr lang="tr-TR" sz="2000" dirty="0" err="1"/>
+              <a:t>Apr</a:t>
+            </a:r>
+            <a:r>
+              <a:rPr lang="tr-TR" sz="2000" dirty="0"/>
+              <a:t> 18, 1992 6 0</a:t>
+            </a:r>
+          </a:p>
+          <a:p>
+            <a:r>
+              <a:rPr lang="tr-TR" sz="2000" dirty="0" err="1"/>
+              <a:t>Wedge</a:t>
+            </a:r>
+            <a:r>
+              <a:rPr lang="tr-TR" sz="2000" dirty="0"/>
+              <a:t> </a:t>
+            </a:r>
+            <a:r>
+              <a:rPr lang="tr-TR" sz="2000" dirty="0" err="1"/>
+              <a:t>Roy</a:t>
+            </a:r>
+            <a:r>
+              <a:rPr lang="tr-TR" sz="2000" dirty="0"/>
+              <a:t> </a:t>
+            </a:r>
+            <a:r>
+              <a:rPr lang="tr-TR" sz="2000" dirty="0" err="1"/>
+              <a:t>Jun</a:t>
+            </a:r>
+            <a:r>
+              <a:rPr lang="tr-TR" sz="2000" dirty="0"/>
+              <a:t> 11, 1992 5 11</a:t>
+            </a:r>
+          </a:p>
+          <a:p>
+            <a:r>
+              <a:rPr lang="tr-TR" sz="2000" dirty="0" err="1"/>
+              <a:t>Weaver</a:t>
+            </a:r>
+            <a:r>
+              <a:rPr lang="tr-TR" sz="2000" dirty="0"/>
+              <a:t> </a:t>
+            </a:r>
+            <a:r>
+              <a:rPr lang="tr-TR" sz="2000" dirty="0" err="1"/>
+              <a:t>Joanie</a:t>
+            </a:r>
+            <a:r>
+              <a:rPr lang="tr-TR" sz="2000" dirty="0"/>
+              <a:t> Jul 27, 1992 5 10</a:t>
+            </a:r>
+          </a:p>
+          <a:p>
+            <a:r>
+              <a:rPr lang="tr-TR" sz="2000" dirty="0" err="1"/>
+              <a:t>Rakover</a:t>
+            </a:r>
+            <a:r>
+              <a:rPr lang="tr-TR" sz="2000" dirty="0"/>
+              <a:t> Nicolas </a:t>
+            </a:r>
+            <a:r>
+              <a:rPr lang="tr-TR" sz="2000" dirty="0" err="1"/>
+              <a:t>Aug</a:t>
+            </a:r>
+            <a:r>
+              <a:rPr lang="tr-TR" sz="2000" dirty="0"/>
+              <a:t> 13, 1992 5 9</a:t>
+            </a:r>
+          </a:p>
+          <a:p>
+            <a:r>
+              <a:rPr lang="tr-TR" sz="2000" dirty="0" err="1"/>
+              <a:t>Kamahele-Sanfratello</a:t>
+            </a:r>
+            <a:r>
+              <a:rPr lang="tr-TR" sz="2000" dirty="0"/>
+              <a:t> </a:t>
+            </a:r>
+            <a:r>
+              <a:rPr lang="tr-TR" sz="2000" dirty="0" err="1"/>
+              <a:t>Ciara</a:t>
+            </a:r>
+            <a:r>
+              <a:rPr lang="tr-TR" sz="2000" dirty="0"/>
+              <a:t> </a:t>
+            </a:r>
+            <a:r>
+              <a:rPr lang="tr-TR" sz="2000" dirty="0" err="1"/>
+              <a:t>Nov</a:t>
+            </a:r>
+            <a:r>
+              <a:rPr lang="tr-TR" sz="2000" dirty="0"/>
+              <a:t> 9, 1992 5 8</a:t>
+            </a:r>
+          </a:p>
+          <a:p>
+            <a:r>
+              <a:rPr lang="tr-TR" sz="2000" dirty="0" err="1"/>
+              <a:t>Paniza</a:t>
+            </a:r>
+            <a:r>
+              <a:rPr lang="tr-TR" sz="2000" dirty="0"/>
+              <a:t> </a:t>
+            </a:r>
+            <a:r>
+              <a:rPr lang="tr-TR" sz="2000" dirty="0" err="1"/>
+              <a:t>Rodrigo</a:t>
+            </a:r>
+            <a:r>
+              <a:rPr lang="tr-TR" sz="2000" dirty="0"/>
+              <a:t> </a:t>
+            </a:r>
+            <a:r>
+              <a:rPr lang="tr-TR" sz="2000" dirty="0" err="1"/>
+              <a:t>Nov</a:t>
+            </a:r>
+            <a:r>
+              <a:rPr lang="tr-TR" sz="2000" dirty="0"/>
+              <a:t> 14, 1992 5 8</a:t>
+            </a:r>
+          </a:p>
+          <a:p>
+            <a:r>
+              <a:rPr lang="tr-TR" sz="2000" dirty="0" err="1"/>
+              <a:t>Sueiras</a:t>
+            </a:r>
+            <a:r>
+              <a:rPr lang="tr-TR" sz="2000" dirty="0"/>
+              <a:t> </a:t>
+            </a:r>
+            <a:r>
+              <a:rPr lang="tr-TR" sz="2000" dirty="0" err="1"/>
+              <a:t>Sebastian</a:t>
+            </a:r>
+            <a:r>
+              <a:rPr lang="tr-TR" sz="2000" dirty="0"/>
+              <a:t> May 14, 1993 5 7</a:t>
+            </a:r>
+          </a:p>
+          <a:p>
+            <a:r>
+              <a:rPr lang="tr-TR" sz="2000" dirty="0" err="1"/>
+              <a:t>Qui</a:t>
+            </a:r>
+            <a:r>
+              <a:rPr lang="tr-TR" sz="2000" dirty="0"/>
+              <a:t> </a:t>
+            </a:r>
+            <a:r>
+              <a:rPr lang="tr-TR" sz="2000" dirty="0" err="1"/>
+              <a:t>Nguyen</a:t>
+            </a:r>
+            <a:r>
+              <a:rPr lang="tr-TR" sz="2000" dirty="0"/>
+              <a:t> </a:t>
+            </a:r>
+            <a:r>
+              <a:rPr lang="tr-TR" sz="2000" dirty="0" err="1"/>
+              <a:t>Jun</a:t>
+            </a:r>
+            <a:r>
+              <a:rPr lang="tr-TR" sz="2000" dirty="0"/>
+              <a:t> 1, 1993 5 6</a:t>
+            </a:r>
+          </a:p>
+          <a:p>
+            <a:r>
+              <a:rPr lang="tr-TR" sz="2000" dirty="0"/>
+              <a:t>Park </a:t>
+            </a:r>
+            <a:r>
+              <a:rPr lang="tr-TR" sz="2000" dirty="0" err="1"/>
+              <a:t>Allen</a:t>
+            </a:r>
+            <a:r>
+              <a:rPr lang="tr-TR" sz="2000" dirty="0"/>
+              <a:t> </a:t>
+            </a:r>
+            <a:r>
+              <a:rPr lang="tr-TR" sz="2000" dirty="0" err="1"/>
+              <a:t>Sep</a:t>
+            </a:r>
+            <a:r>
+              <a:rPr lang="tr-TR" sz="2000" dirty="0"/>
+              <a:t> 9, 1993 5 5</a:t>
+            </a:r>
+          </a:p>
+          <a:p>
+            <a:r>
+              <a:rPr lang="tr-TR" sz="2000" dirty="0" err="1"/>
+              <a:t>Huang</a:t>
+            </a:r>
+            <a:r>
+              <a:rPr lang="tr-TR" sz="2000" dirty="0"/>
+              <a:t> </a:t>
+            </a:r>
+            <a:r>
+              <a:rPr lang="tr-TR" sz="2000" dirty="0" err="1"/>
+              <a:t>Connie</a:t>
+            </a:r>
+            <a:r>
+              <a:rPr lang="tr-TR" sz="2000" dirty="0"/>
+              <a:t> </a:t>
+            </a:r>
+            <a:r>
+              <a:rPr lang="tr-TR" sz="2000" dirty="0" err="1"/>
+              <a:t>Sep</a:t>
+            </a:r>
+            <a:r>
+              <a:rPr lang="tr-TR" sz="2000" dirty="0"/>
+              <a:t> 30, 1993 5 4</a:t>
+            </a:r>
+          </a:p>
+          <a:p>
+            <a:r>
+              <a:rPr lang="tr-TR" sz="2000" dirty="0" err="1"/>
+              <a:t>Thilagar</a:t>
+            </a:r>
+            <a:r>
+              <a:rPr lang="tr-TR" sz="2000" dirty="0"/>
+              <a:t> </a:t>
+            </a:r>
+            <a:r>
+              <a:rPr lang="tr-TR" sz="2000" dirty="0" err="1"/>
+              <a:t>Lasya</a:t>
+            </a:r>
+            <a:r>
+              <a:rPr lang="tr-TR" sz="2000" dirty="0"/>
+              <a:t> </a:t>
+            </a:r>
+            <a:r>
+              <a:rPr lang="tr-TR" sz="2000" dirty="0" err="1"/>
+              <a:t>Nov</a:t>
+            </a:r>
+            <a:r>
+              <a:rPr lang="tr-TR" sz="2000" dirty="0"/>
+              <a:t> 16, 1993 5 </a:t>
+            </a:r>
+            <a:r>
+              <a:rPr lang="tr-TR" sz="2000" dirty="0" smtClean="0"/>
+              <a:t>0</a:t>
+            </a:r>
+            <a:endParaRPr lang="tr-TR" sz="2000" dirty="0"/>
+          </a:p>
+        </p:txBody>
+      </p:sp>
+      <p:sp>
+        <p:nvSpPr>
+          <p:cNvPr id="4" name="Rectangle 3"/>
+          <p:cNvSpPr/>
+          <p:nvPr/>
+        </p:nvSpPr>
+        <p:spPr>
+          <a:xfrm>
+            <a:off x="2516007" y="145619"/>
+            <a:ext cx="4572000" cy="954107"/>
+          </a:xfrm>
+          <a:prstGeom prst="rect">
+            <a:avLst/>
+          </a:prstGeom>
+        </p:spPr>
+        <p:txBody>
+          <a:bodyPr>
+            <a:spAutoFit/>
+          </a:bodyPr>
+          <a:lstStyle/>
+          <a:p>
+            <a:pPr algn="ctr">
+              <a:spcBef>
+                <a:spcPct val="0"/>
+              </a:spcBef>
+            </a:pPr>
+            <a:r>
+              <a:rPr lang="en-US" sz="2800" dirty="0">
+                <a:solidFill>
+                  <a:srgbClr val="0033CC"/>
+                </a:solidFill>
+                <a:latin typeface="Comic Sans MS" pitchFamily="66" charset="0"/>
+              </a:rPr>
+              <a:t>older</a:t>
+            </a:r>
+          </a:p>
+          <a:p>
+            <a:pPr algn="ctr">
+              <a:spcBef>
+                <a:spcPct val="0"/>
+              </a:spcBef>
+            </a:pPr>
+            <a:r>
+              <a:rPr lang="en-US" sz="2800" dirty="0">
+                <a:latin typeface="Comic Sans MS" pitchFamily="66" charset="0"/>
+              </a:rPr>
+              <a:t>(a </a:t>
+            </a:r>
+            <a:r>
+              <a:rPr lang="en-US" sz="2800" dirty="0">
+                <a:solidFill>
+                  <a:srgbClr val="000000"/>
+                </a:solidFill>
+                <a:latin typeface="Comic Sans MS"/>
+                <a:cs typeface="Comic Sans MS"/>
+                <a:sym typeface="Euclid Math Two" pitchFamily="18" charset="2"/>
+              </a:rPr>
+              <a:t>height/</a:t>
+            </a:r>
+            <a:r>
+              <a:rPr lang="en-US" sz="2800" dirty="0" err="1">
+                <a:solidFill>
+                  <a:srgbClr val="000000"/>
+                </a:solidFill>
+                <a:latin typeface="Comic Sans MS"/>
+                <a:cs typeface="Comic Sans MS"/>
+                <a:sym typeface="Euclid Math Two" pitchFamily="18" charset="2"/>
+              </a:rPr>
+              <a:t>bday</a:t>
+            </a:r>
+            <a:r>
+              <a:rPr lang="en-US" sz="2800" dirty="0" err="1">
+                <a:latin typeface="Comic Sans MS" pitchFamily="66" charset="0"/>
+                <a:sym typeface="Euclid Math Two" pitchFamily="18" charset="2"/>
+              </a:rPr>
+              <a:t>-</a:t>
+            </a:r>
+            <a:r>
+              <a:rPr lang="en-US" sz="2800" dirty="0" err="1">
+                <a:latin typeface="Comic Sans MS" pitchFamily="66" charset="0"/>
+              </a:rPr>
+              <a:t>antichain</a:t>
+            </a:r>
+            <a:r>
+              <a:rPr lang="en-US" sz="2800" dirty="0">
+                <a:latin typeface="Comic Sans MS" pitchFamily="66" charset="0"/>
+              </a:rPr>
+              <a:t>)</a:t>
+            </a:r>
+            <a:endParaRPr lang="en-US" sz="2800" dirty="0">
+              <a:latin typeface="Comic Sans MS" pitchFamily="66" charset="0"/>
+            </a:endParaRPr>
+          </a:p>
+        </p:txBody>
+      </p:sp>
+      <p:sp>
+        <p:nvSpPr>
+          <p:cNvPr id="5" name="Line 10"/>
+          <p:cNvSpPr>
+            <a:spLocks noChangeShapeType="1"/>
+          </p:cNvSpPr>
+          <p:nvPr/>
+        </p:nvSpPr>
+        <p:spPr bwMode="auto">
+          <a:xfrm flipV="1">
+            <a:off x="2467828" y="590043"/>
+            <a:ext cx="4442361" cy="20251"/>
+          </a:xfrm>
+          <a:prstGeom prst="line">
+            <a:avLst/>
+          </a:prstGeom>
+          <a:noFill/>
+          <a:ln w="38100">
+            <a:solidFill>
+              <a:schemeClr val="tx1"/>
+            </a:solidFill>
+            <a:round/>
+            <a:headEnd/>
+            <a:tailEnd type="arrow" w="lg" len="lg"/>
+          </a:ln>
+          <a:effectLst/>
+        </p:spPr>
+        <p:txBody>
+          <a:bodyPr/>
+          <a:lstStyle/>
+          <a:p>
+            <a:endParaRPr lang="en-US"/>
+          </a:p>
+        </p:txBody>
+      </p:sp>
+    </p:spTree>
+    <p:extLst>
+      <p:ext uri="{BB962C8B-B14F-4D97-AF65-F5344CB8AC3E}">
+        <p14:creationId xmlns:p14="http://schemas.microsoft.com/office/powerpoint/2010/main" val="2363302744"/>
+      </p:ext>
+    </p:extLst>
+  </p:cSld>
+  <p:clrMapOvr>
+    <a:masterClrMapping/>
+  </p:clrMapOvr>
+  <p:transition xmlns:p14="http://schemas.microsoft.com/office/powerpoint/2010/main" spd="slow">
+    <p:fade thruBlk="1"/>
+  </p:transition>
+  <p:timing>
+    <p:tnLst>
+      <p:par>
+        <p:cTn xmlns:p14="http://schemas.microsoft.com/office/powerpoint/2010/main" id="1" dur="indefinite" restart="never" nodeType="tmRoot"/>
       </p:par>
     </p:tnLst>
   </p:timing>
@@ -34155,13 +34632,13 @@
   <p:clrMapOvr>
     <a:masterClrMapping/>
   </p:clrMapOvr>
-  <mc:AlternateContent xmlns:mc="http://schemas.openxmlformats.org/markup-compatibility/2006">
-    <mc:Choice xmlns:p14="http://schemas.microsoft.com/office/powerpoint/2010/main" Requires="p14">
+  <mc:AlternateContent xmlns:mc="http://schemas.openxmlformats.org/markup-compatibility/2006" xmlns:p14="http://schemas.microsoft.com/office/powerpoint/2010/main">
+    <mc:Choice Requires="p14">
       <p:transition p14:dur="400">
         <p:fade thruBlk="1"/>
       </p:transition>
     </mc:Choice>
-    <mc:Fallback>
+    <mc:Fallback xmlns="">
       <p:transition xmlns:p14="http://schemas.microsoft.com/office/powerpoint/2010/main">
         <p:fade thruBlk="1"/>
       </p:transition>
@@ -34412,7 +34889,7 @@
 </file>
 
 <file path=ppt/slides/slide7.xml><?xml version="1.0" encoding="utf-8"?>
-<p:sld xmlns:a="http://schemas.openxmlformats.org/drawingml/2006/main" xmlns:r="http://schemas.openxmlformats.org/officeDocument/2006/relationships" xmlns:p="http://schemas.openxmlformats.org/presentationml/2006/main">
+<p:sld xmlns:a="http://schemas.openxmlformats.org/drawingml/2006/main" xmlns:r="http://schemas.openxmlformats.org/officeDocument/2006/relationships" xmlns:p="http://schemas.openxmlformats.org/presentationml/2006/main" show="0">
   <p:cSld>
     <p:spTree>
       <p:nvGrpSpPr>
@@ -34735,7 +35212,7 @@
           <a:graphicData uri="http://schemas.openxmlformats.org/presentationml/2006/ole">
             <mc:AlternateContent xmlns:mc="http://schemas.openxmlformats.org/markup-compatibility/2006">
               <mc:Choice xmlns:v="urn:schemas-microsoft-com:vml" Requires="v">
-                <p:oleObj spid="_x0000_s31811" name="Equation" r:id="rId4" imgW="1016000" imgH="304800" progId="Equation.3">
+                <p:oleObj spid="_x0000_s31816" name="Equation" r:id="rId4" imgW="1016000" imgH="304800" progId="Equation.3">
                   <p:embed/>
                 </p:oleObj>
               </mc:Choice>
@@ -34792,7 +35269,7 @@
           <a:graphicData uri="http://schemas.openxmlformats.org/presentationml/2006/ole">
             <mc:AlternateContent xmlns:mc="http://schemas.openxmlformats.org/markup-compatibility/2006">
               <mc:Choice xmlns:v="urn:schemas-microsoft-com:vml" Requires="v">
-                <p:oleObj spid="_x0000_s31812" name="Equation" r:id="rId6" imgW="1041400" imgH="292100" progId="Equation.DSMT4">
+                <p:oleObj spid="_x0000_s31817" name="Equation" r:id="rId6" imgW="1041400" imgH="292100" progId="Equation.DSMT4">
                   <p:embed/>
                 </p:oleObj>
               </mc:Choice>
